--- a/Master-Abschlussarbeit.pptx
+++ b/Master-Abschlussarbeit.pptx
@@ -5,10 +5,10 @@
     <p:sldMasterId id="2147483648" r:id="rId1"/>
   </p:sldMasterIdLst>
   <p:notesMasterIdLst>
-    <p:notesMasterId r:id="rId15"/>
+    <p:notesMasterId r:id="rId18"/>
   </p:notesMasterIdLst>
   <p:handoutMasterIdLst>
-    <p:handoutMasterId r:id="rId16"/>
+    <p:handoutMasterId r:id="rId19"/>
   </p:handoutMasterIdLst>
   <p:sldIdLst>
     <p:sldId id="258" r:id="rId2"/>
@@ -21,9 +21,12 @@
     <p:sldId id="265" r:id="rId9"/>
     <p:sldId id="266" r:id="rId10"/>
     <p:sldId id="267" r:id="rId11"/>
-    <p:sldId id="269" r:id="rId12"/>
-    <p:sldId id="270" r:id="rId13"/>
-    <p:sldId id="268" r:id="rId14"/>
+    <p:sldId id="273" r:id="rId12"/>
+    <p:sldId id="269" r:id="rId13"/>
+    <p:sldId id="272" r:id="rId14"/>
+    <p:sldId id="271" r:id="rId15"/>
+    <p:sldId id="270" r:id="rId16"/>
+    <p:sldId id="268" r:id="rId17"/>
   </p:sldIdLst>
   <p:sldSz cx="9144000" cy="6858000" type="screen4x3"/>
   <p:notesSz cx="6858000" cy="9144000"/>
@@ -1098,7 +1101,7 @@
               <a:pPr>
                 <a:defRPr/>
               </a:pPr>
-              <a:t>11</a:t>
+              <a:t>12</a:t>
             </a:fld>
             <a:endParaRPr lang="de-DE"/>
           </a:p>
@@ -1161,18 +1164,6 @@
           <a:bodyPr/>
           <a:lstStyle/>
           <a:p>
-            <a:r>
-              <a:rPr lang="de-DE" dirty="0" smtClean="0"/>
-              <a:t>4) </a:t>
-            </a:r>
-            <a:r>
-              <a:rPr lang="de-DE" dirty="0" err="1" smtClean="0"/>
-              <a:t>d.h</a:t>
-            </a:r>
-            <a:r>
-              <a:rPr lang="de-DE" baseline="0" dirty="0" smtClean="0"/>
-              <a:t> mit Berücksichtigung des Datenflusses</a:t>
-            </a:r>
             <a:endParaRPr lang="de-DE" dirty="0"/>
           </a:p>
         </p:txBody>
@@ -1200,7 +1191,199 @@
               <a:pPr>
                 <a:defRPr/>
               </a:pPr>
-              <a:t>12</a:t>
+              <a:t>13</a:t>
+            </a:fld>
+            <a:endParaRPr lang="de-DE"/>
+          </a:p>
+        </p:txBody>
+      </p:sp>
+    </p:spTree>
+    <p:extLst>
+      <p:ext uri="{BB962C8B-B14F-4D97-AF65-F5344CB8AC3E}">
+        <p14:creationId xmlns:p14="http://schemas.microsoft.com/office/powerpoint/2010/main" val="1615335567"/>
+      </p:ext>
+    </p:extLst>
+  </p:cSld>
+  <p:clrMapOvr>
+    <a:masterClrMapping/>
+  </p:clrMapOvr>
+</p:notes>
+</file>
+
+<file path=ppt/notesSlides/notesSlide12.xml><?xml version="1.0" encoding="utf-8"?>
+<p:notes xmlns:a="http://schemas.openxmlformats.org/drawingml/2006/main" xmlns:r="http://schemas.openxmlformats.org/officeDocument/2006/relationships" xmlns:p="http://schemas.openxmlformats.org/presentationml/2006/main">
+  <p:cSld>
+    <p:spTree>
+      <p:nvGrpSpPr>
+        <p:cNvPr id="1" name=""/>
+        <p:cNvGrpSpPr/>
+        <p:nvPr/>
+      </p:nvGrpSpPr>
+      <p:grpSpPr>
+        <a:xfrm>
+          <a:off x="0" y="0"/>
+          <a:ext cx="0" cy="0"/>
+          <a:chOff x="0" y="0"/>
+          <a:chExt cx="0" cy="0"/>
+        </a:xfrm>
+      </p:grpSpPr>
+      <p:sp>
+        <p:nvSpPr>
+          <p:cNvPr id="2" name="Folienbildplatzhalter 1"/>
+          <p:cNvSpPr>
+            <a:spLocks noGrp="1" noRot="1" noChangeAspect="1"/>
+          </p:cNvSpPr>
+          <p:nvPr>
+            <p:ph type="sldImg"/>
+          </p:nvPr>
+        </p:nvSpPr>
+        <p:spPr/>
+      </p:sp>
+      <p:sp>
+        <p:nvSpPr>
+          <p:cNvPr id="3" name="Notizenplatzhalter 2"/>
+          <p:cNvSpPr>
+            <a:spLocks noGrp="1"/>
+          </p:cNvSpPr>
+          <p:nvPr>
+            <p:ph type="body" idx="1"/>
+          </p:nvPr>
+        </p:nvSpPr>
+        <p:spPr/>
+        <p:txBody>
+          <a:bodyPr/>
+          <a:lstStyle/>
+          <a:p>
+            <a:endParaRPr lang="de-DE" dirty="0"/>
+          </a:p>
+        </p:txBody>
+      </p:sp>
+      <p:sp>
+        <p:nvSpPr>
+          <p:cNvPr id="4" name="Foliennummernplatzhalter 3"/>
+          <p:cNvSpPr>
+            <a:spLocks noGrp="1"/>
+          </p:cNvSpPr>
+          <p:nvPr>
+            <p:ph type="sldNum" sz="quarter" idx="10"/>
+          </p:nvPr>
+        </p:nvSpPr>
+        <p:spPr/>
+        <p:txBody>
+          <a:bodyPr/>
+          <a:lstStyle/>
+          <a:p>
+            <a:pPr>
+              <a:defRPr/>
+            </a:pPr>
+            <a:fld id="{862C4B85-5E71-423A-A9E4-96958528BF14}" type="slidenum">
+              <a:rPr lang="de-DE" smtClean="0"/>
+              <a:pPr>
+                <a:defRPr/>
+              </a:pPr>
+              <a:t>14</a:t>
+            </a:fld>
+            <a:endParaRPr lang="de-DE"/>
+          </a:p>
+        </p:txBody>
+      </p:sp>
+    </p:spTree>
+    <p:extLst>
+      <p:ext uri="{BB962C8B-B14F-4D97-AF65-F5344CB8AC3E}">
+        <p14:creationId xmlns:p14="http://schemas.microsoft.com/office/powerpoint/2010/main" val="2033798850"/>
+      </p:ext>
+    </p:extLst>
+  </p:cSld>
+  <p:clrMapOvr>
+    <a:masterClrMapping/>
+  </p:clrMapOvr>
+</p:notes>
+</file>
+
+<file path=ppt/notesSlides/notesSlide13.xml><?xml version="1.0" encoding="utf-8"?>
+<p:notes xmlns:a="http://schemas.openxmlformats.org/drawingml/2006/main" xmlns:r="http://schemas.openxmlformats.org/officeDocument/2006/relationships" xmlns:p="http://schemas.openxmlformats.org/presentationml/2006/main">
+  <p:cSld>
+    <p:spTree>
+      <p:nvGrpSpPr>
+        <p:cNvPr id="1" name=""/>
+        <p:cNvGrpSpPr/>
+        <p:nvPr/>
+      </p:nvGrpSpPr>
+      <p:grpSpPr>
+        <a:xfrm>
+          <a:off x="0" y="0"/>
+          <a:ext cx="0" cy="0"/>
+          <a:chOff x="0" y="0"/>
+          <a:chExt cx="0" cy="0"/>
+        </a:xfrm>
+      </p:grpSpPr>
+      <p:sp>
+        <p:nvSpPr>
+          <p:cNvPr id="2" name="Folienbildplatzhalter 1"/>
+          <p:cNvSpPr>
+            <a:spLocks noGrp="1" noRot="1" noChangeAspect="1"/>
+          </p:cNvSpPr>
+          <p:nvPr>
+            <p:ph type="sldImg"/>
+          </p:nvPr>
+        </p:nvSpPr>
+        <p:spPr/>
+      </p:sp>
+      <p:sp>
+        <p:nvSpPr>
+          <p:cNvPr id="3" name="Notizenplatzhalter 2"/>
+          <p:cNvSpPr>
+            <a:spLocks noGrp="1"/>
+          </p:cNvSpPr>
+          <p:nvPr>
+            <p:ph type="body" idx="1"/>
+          </p:nvPr>
+        </p:nvSpPr>
+        <p:spPr/>
+        <p:txBody>
+          <a:bodyPr/>
+          <a:lstStyle/>
+          <a:p>
+            <a:r>
+              <a:rPr lang="de-DE" dirty="0" smtClean="0"/>
+              <a:t>4) </a:t>
+            </a:r>
+            <a:r>
+              <a:rPr lang="de-DE" dirty="0" err="1" smtClean="0"/>
+              <a:t>d.h</a:t>
+            </a:r>
+            <a:r>
+              <a:rPr lang="de-DE" baseline="0" dirty="0" smtClean="0"/>
+              <a:t> mit Berücksichtigung des Datenflusses</a:t>
+            </a:r>
+            <a:endParaRPr lang="de-DE" dirty="0"/>
+          </a:p>
+        </p:txBody>
+      </p:sp>
+      <p:sp>
+        <p:nvSpPr>
+          <p:cNvPr id="4" name="Foliennummernplatzhalter 3"/>
+          <p:cNvSpPr>
+            <a:spLocks noGrp="1"/>
+          </p:cNvSpPr>
+          <p:nvPr>
+            <p:ph type="sldNum" sz="quarter" idx="10"/>
+          </p:nvPr>
+        </p:nvSpPr>
+        <p:spPr/>
+        <p:txBody>
+          <a:bodyPr/>
+          <a:lstStyle/>
+          <a:p>
+            <a:pPr>
+              <a:defRPr/>
+            </a:pPr>
+            <a:fld id="{862C4B85-5E71-423A-A9E4-96958528BF14}" type="slidenum">
+              <a:rPr lang="de-DE" smtClean="0"/>
+              <a:pPr>
+                <a:defRPr/>
+              </a:pPr>
+              <a:t>15</a:t>
             </a:fld>
             <a:endParaRPr lang="de-DE"/>
           </a:p>
@@ -6648,6 +6831,179 @@
           <a:lstStyle/>
           <a:p>
             <a:r>
+              <a:rPr lang="de-DE" dirty="0" smtClean="0"/>
+              <a:t>Angular &amp; </a:t>
+            </a:r>
+            <a:r>
+              <a:rPr lang="de-DE" dirty="0" err="1" smtClean="0"/>
+              <a:t>GoJS</a:t>
+            </a:r>
+            <a:endParaRPr lang="de-DE" dirty="0"/>
+          </a:p>
+        </p:txBody>
+      </p:sp>
+      <p:sp>
+        <p:nvSpPr>
+          <p:cNvPr id="3" name="Datumsplatzhalter 2"/>
+          <p:cNvSpPr>
+            <a:spLocks noGrp="1"/>
+          </p:cNvSpPr>
+          <p:nvPr>
+            <p:ph type="dt" sz="half" idx="14"/>
+          </p:nvPr>
+        </p:nvSpPr>
+        <p:spPr/>
+        <p:txBody>
+          <a:bodyPr/>
+          <a:lstStyle/>
+          <a:p>
+            <a:pPr>
+              <a:defRPr/>
+            </a:pPr>
+            <a:fld id="{EE9AC89C-B0F3-4179-9BF1-A11BD48F530E}" type="datetime1">
+              <a:rPr lang="de-DE" smtClean="0"/>
+              <a:pPr>
+                <a:defRPr/>
+              </a:pPr>
+              <a:t>20.07.2018</a:t>
+            </a:fld>
+            <a:endParaRPr lang="de-DE" dirty="0"/>
+          </a:p>
+        </p:txBody>
+      </p:sp>
+      <p:sp>
+        <p:nvSpPr>
+          <p:cNvPr id="4" name="Fußzeilenplatzhalter 3"/>
+          <p:cNvSpPr>
+            <a:spLocks noGrp="1"/>
+          </p:cNvSpPr>
+          <p:nvPr>
+            <p:ph type="ftr" sz="quarter" idx="15"/>
+          </p:nvPr>
+        </p:nvSpPr>
+        <p:spPr/>
+        <p:txBody>
+          <a:bodyPr/>
+          <a:lstStyle/>
+          <a:p>
+            <a:pPr>
+              <a:defRPr/>
+            </a:pPr>
+            <a:endParaRPr lang="de-DE"/>
+          </a:p>
+        </p:txBody>
+      </p:sp>
+      <p:sp>
+        <p:nvSpPr>
+          <p:cNvPr id="5" name="Foliennummernplatzhalter 4"/>
+          <p:cNvSpPr>
+            <a:spLocks noGrp="1"/>
+          </p:cNvSpPr>
+          <p:nvPr>
+            <p:ph type="sldNum" sz="quarter" idx="16"/>
+          </p:nvPr>
+        </p:nvSpPr>
+        <p:spPr/>
+        <p:txBody>
+          <a:bodyPr/>
+          <a:lstStyle/>
+          <a:p>
+            <a:pPr>
+              <a:defRPr/>
+            </a:pPr>
+            <a:fld id="{B53A9DA1-A25A-429F-A02C-54EE5606360E}" type="slidenum">
+              <a:rPr lang="de-DE" altLang="de-DE" smtClean="0"/>
+              <a:pPr>
+                <a:defRPr/>
+              </a:pPr>
+              <a:t>11</a:t>
+            </a:fld>
+            <a:endParaRPr lang="de-DE" altLang="de-DE" dirty="0"/>
+          </a:p>
+        </p:txBody>
+      </p:sp>
+      <p:sp>
+        <p:nvSpPr>
+          <p:cNvPr id="6" name="Titel 5"/>
+          <p:cNvSpPr>
+            <a:spLocks noGrp="1"/>
+          </p:cNvSpPr>
+          <p:nvPr>
+            <p:ph type="title"/>
+          </p:nvPr>
+        </p:nvSpPr>
+        <p:spPr/>
+        <p:txBody>
+          <a:bodyPr>
+            <a:normAutofit fontScale="90000"/>
+          </a:bodyPr>
+          <a:lstStyle/>
+          <a:p>
+            <a:r>
+              <a:rPr lang="de-DE" b="1" dirty="0"/>
+              <a:t>Evaluation der </a:t>
+            </a:r>
+            <a:r>
+              <a:rPr lang="de-DE" b="1" dirty="0" smtClean="0"/>
+              <a:t>JavaScript-Frameworks</a:t>
+            </a:r>
+            <a:r>
+              <a:rPr lang="de-DE" b="1" dirty="0"/>
+              <a:t/>
+            </a:r>
+            <a:br>
+              <a:rPr lang="de-DE" b="1" dirty="0"/>
+            </a:br>
+            <a:endParaRPr lang="de-DE" dirty="0"/>
+          </a:p>
+        </p:txBody>
+      </p:sp>
+    </p:spTree>
+    <p:extLst>
+      <p:ext uri="{BB962C8B-B14F-4D97-AF65-F5344CB8AC3E}">
+        <p14:creationId xmlns:p14="http://schemas.microsoft.com/office/powerpoint/2010/main" val="229021680"/>
+      </p:ext>
+    </p:extLst>
+  </p:cSld>
+  <p:clrMapOvr>
+    <a:masterClrMapping/>
+  </p:clrMapOvr>
+</p:sld>
+</file>
+
+<file path=ppt/slides/slide12.xml><?xml version="1.0" encoding="utf-8"?>
+<p:sld xmlns:a="http://schemas.openxmlformats.org/drawingml/2006/main" xmlns:r="http://schemas.openxmlformats.org/officeDocument/2006/relationships" xmlns:p="http://schemas.openxmlformats.org/presentationml/2006/main">
+  <p:cSld>
+    <p:spTree>
+      <p:nvGrpSpPr>
+        <p:cNvPr id="1" name=""/>
+        <p:cNvGrpSpPr/>
+        <p:nvPr/>
+      </p:nvGrpSpPr>
+      <p:grpSpPr>
+        <a:xfrm>
+          <a:off x="0" y="0"/>
+          <a:ext cx="0" cy="0"/>
+          <a:chOff x="0" y="0"/>
+          <a:chExt cx="0" cy="0"/>
+        </a:xfrm>
+      </p:grpSpPr>
+      <p:sp>
+        <p:nvSpPr>
+          <p:cNvPr id="2" name="Inhaltsplatzhalter 1"/>
+          <p:cNvSpPr>
+            <a:spLocks noGrp="1"/>
+          </p:cNvSpPr>
+          <p:nvPr>
+            <p:ph sz="quarter" idx="13"/>
+          </p:nvPr>
+        </p:nvSpPr>
+        <p:spPr/>
+        <p:txBody>
+          <a:bodyPr/>
+          <a:lstStyle/>
+          <a:p>
+            <a:r>
               <a:rPr lang="de-DE" dirty="0" smtClean="0">
                 <a:solidFill>
                   <a:schemeClr val="bg1">
@@ -6794,33 +7150,15 @@
           </a:p>
           <a:p>
             <a:r>
-              <a:rPr lang="de-DE" dirty="0" smtClean="0">
-                <a:solidFill>
-                  <a:schemeClr val="bg1">
-                    <a:lumMod val="50000"/>
-                  </a:schemeClr>
-                </a:solidFill>
-              </a:rPr>
+              <a:rPr lang="de-DE" b="1" dirty="0" smtClean="0"/>
               <a:t>Konzepte der </a:t>
             </a:r>
             <a:r>
-              <a:rPr lang="de-DE" dirty="0" err="1" smtClean="0">
-                <a:solidFill>
-                  <a:schemeClr val="bg1">
-                    <a:lumMod val="50000"/>
-                  </a:schemeClr>
-                </a:solidFill>
-              </a:rPr>
+              <a:rPr lang="de-DE" b="1" dirty="0" err="1" smtClean="0"/>
               <a:t>Topology</a:t>
             </a:r>
             <a:r>
-              <a:rPr lang="de-DE" dirty="0" smtClean="0">
-                <a:solidFill>
-                  <a:schemeClr val="bg1">
-                    <a:lumMod val="50000"/>
-                  </a:schemeClr>
-                </a:solidFill>
-              </a:rPr>
+              <a:rPr lang="de-DE" b="1" dirty="0" smtClean="0"/>
               <a:t>-Editor (zweites Ergebnis)</a:t>
             </a:r>
           </a:p>
@@ -6838,10 +7176,24 @@
           </a:p>
           <a:p>
             <a:r>
-              <a:rPr lang="de-DE" b="1" dirty="0"/>
+              <a:rPr lang="de-DE" dirty="0">
+                <a:solidFill>
+                  <a:schemeClr val="tx2">
+                    <a:lumMod val="50000"/>
+                    <a:lumOff val="50000"/>
+                  </a:schemeClr>
+                </a:solidFill>
+              </a:rPr>
               <a:t>Fortsetzungsmöglichkeiten</a:t>
             </a:r>
-            <a:endParaRPr lang="de-DE" b="1" dirty="0" smtClean="0"/>
+            <a:endParaRPr lang="de-DE" dirty="0" smtClean="0">
+              <a:solidFill>
+                <a:schemeClr val="tx2">
+                  <a:lumMod val="50000"/>
+                  <a:lumOff val="50000"/>
+                </a:schemeClr>
+              </a:solidFill>
+            </a:endParaRPr>
           </a:p>
           <a:p>
             <a:endParaRPr lang="de-DE" dirty="0" smtClean="0"/>
@@ -6928,7 +7280,7 @@
               <a:pPr>
                 <a:defRPr/>
               </a:pPr>
-              <a:t>11</a:t>
+              <a:t>12</a:t>
             </a:fld>
             <a:endParaRPr lang="de-DE" altLang="de-DE" dirty="0"/>
           </a:p>
@@ -6977,225 +7329,6 @@
 </p:sld>
 </file>
 
-<file path=ppt/slides/slide12.xml><?xml version="1.0" encoding="utf-8"?>
-<p:sld xmlns:a="http://schemas.openxmlformats.org/drawingml/2006/main" xmlns:r="http://schemas.openxmlformats.org/officeDocument/2006/relationships" xmlns:p="http://schemas.openxmlformats.org/presentationml/2006/main">
-  <p:cSld>
-    <p:spTree>
-      <p:nvGrpSpPr>
-        <p:cNvPr id="1" name=""/>
-        <p:cNvGrpSpPr/>
-        <p:nvPr/>
-      </p:nvGrpSpPr>
-      <p:grpSpPr>
-        <a:xfrm>
-          <a:off x="0" y="0"/>
-          <a:ext cx="0" cy="0"/>
-          <a:chOff x="0" y="0"/>
-          <a:chExt cx="0" cy="0"/>
-        </a:xfrm>
-      </p:grpSpPr>
-      <p:sp>
-        <p:nvSpPr>
-          <p:cNvPr id="2" name="Inhaltsplatzhalter 1"/>
-          <p:cNvSpPr>
-            <a:spLocks noGrp="1"/>
-          </p:cNvSpPr>
-          <p:nvPr>
-            <p:ph sz="quarter" idx="13"/>
-          </p:nvPr>
-        </p:nvSpPr>
-        <p:spPr/>
-        <p:txBody>
-          <a:bodyPr/>
-          <a:lstStyle/>
-          <a:p>
-            <a:pPr>
-              <a:lnSpc>
-                <a:spcPct val="200000"/>
-              </a:lnSpc>
-            </a:pPr>
-            <a:r>
-              <a:rPr lang="de-DE" dirty="0" smtClean="0"/>
-              <a:t>Tatsächliche Implementierung des </a:t>
-            </a:r>
-            <a:r>
-              <a:rPr lang="de-DE" dirty="0" err="1" smtClean="0"/>
-              <a:t>Topology</a:t>
-            </a:r>
-            <a:r>
-              <a:rPr lang="de-DE" dirty="0" smtClean="0"/>
-              <a:t>-Editors </a:t>
-            </a:r>
-          </a:p>
-          <a:p>
-            <a:pPr>
-              <a:lnSpc>
-                <a:spcPct val="200000"/>
-              </a:lnSpc>
-            </a:pPr>
-            <a:r>
-              <a:rPr lang="de-DE" dirty="0" smtClean="0"/>
-              <a:t>Unterstützung der Echtzeitverhalten</a:t>
-            </a:r>
-          </a:p>
-          <a:p>
-            <a:pPr>
-              <a:lnSpc>
-                <a:spcPct val="200000"/>
-              </a:lnSpc>
-            </a:pPr>
-            <a:r>
-              <a:rPr lang="de-DE" dirty="0" smtClean="0"/>
-              <a:t>Hohe Übertragungssicherheit gewährleisten </a:t>
-            </a:r>
-          </a:p>
-          <a:p>
-            <a:pPr>
-              <a:lnSpc>
-                <a:spcPct val="200000"/>
-              </a:lnSpc>
-            </a:pPr>
-            <a:r>
-              <a:rPr lang="de-DE" dirty="0" smtClean="0"/>
-              <a:t>Implementierung der Funktion für die logische Topologie</a:t>
-            </a:r>
-          </a:p>
-          <a:p>
-            <a:pPr>
-              <a:lnSpc>
-                <a:spcPct val="200000"/>
-              </a:lnSpc>
-            </a:pPr>
-            <a:r>
-              <a:rPr lang="de-DE" dirty="0"/>
-              <a:t>Implementierung der Funktion für </a:t>
-            </a:r>
-            <a:r>
-              <a:rPr lang="de-DE" dirty="0" smtClean="0"/>
-              <a:t>die Darstellung der Submodule</a:t>
-            </a:r>
-            <a:endParaRPr lang="de-DE" dirty="0"/>
-          </a:p>
-          <a:p>
-            <a:endParaRPr lang="de-DE" dirty="0"/>
-          </a:p>
-        </p:txBody>
-      </p:sp>
-      <p:sp>
-        <p:nvSpPr>
-          <p:cNvPr id="3" name="Datumsplatzhalter 2"/>
-          <p:cNvSpPr>
-            <a:spLocks noGrp="1"/>
-          </p:cNvSpPr>
-          <p:nvPr>
-            <p:ph type="dt" sz="half" idx="14"/>
-          </p:nvPr>
-        </p:nvSpPr>
-        <p:spPr/>
-        <p:txBody>
-          <a:bodyPr/>
-          <a:lstStyle/>
-          <a:p>
-            <a:pPr>
-              <a:defRPr/>
-            </a:pPr>
-            <a:fld id="{C098E26C-8BAA-4ACE-83C6-8F04F03DE16F}" type="datetime1">
-              <a:rPr lang="de-DE" smtClean="0"/>
-              <a:pPr>
-                <a:defRPr/>
-              </a:pPr>
-              <a:t>20.07.2018</a:t>
-            </a:fld>
-            <a:endParaRPr lang="de-DE" dirty="0"/>
-          </a:p>
-        </p:txBody>
-      </p:sp>
-      <p:sp>
-        <p:nvSpPr>
-          <p:cNvPr id="4" name="Fußzeilenplatzhalter 3"/>
-          <p:cNvSpPr>
-            <a:spLocks noGrp="1"/>
-          </p:cNvSpPr>
-          <p:nvPr>
-            <p:ph type="ftr" sz="quarter" idx="15"/>
-          </p:nvPr>
-        </p:nvSpPr>
-        <p:spPr/>
-        <p:txBody>
-          <a:bodyPr/>
-          <a:lstStyle/>
-          <a:p>
-            <a:pPr>
-              <a:defRPr/>
-            </a:pPr>
-            <a:endParaRPr lang="de-DE"/>
-          </a:p>
-        </p:txBody>
-      </p:sp>
-      <p:sp>
-        <p:nvSpPr>
-          <p:cNvPr id="5" name="Foliennummernplatzhalter 4"/>
-          <p:cNvSpPr>
-            <a:spLocks noGrp="1"/>
-          </p:cNvSpPr>
-          <p:nvPr>
-            <p:ph type="sldNum" sz="quarter" idx="16"/>
-          </p:nvPr>
-        </p:nvSpPr>
-        <p:spPr/>
-        <p:txBody>
-          <a:bodyPr/>
-          <a:lstStyle/>
-          <a:p>
-            <a:pPr>
-              <a:defRPr/>
-            </a:pPr>
-            <a:fld id="{7A8CEE4A-E163-47DE-8784-5B8DE9F7A78A}" type="slidenum">
-              <a:rPr lang="de-DE" altLang="de-DE" smtClean="0"/>
-              <a:pPr>
-                <a:defRPr/>
-              </a:pPr>
-              <a:t>12</a:t>
-            </a:fld>
-            <a:endParaRPr lang="de-DE" altLang="de-DE" dirty="0"/>
-          </a:p>
-        </p:txBody>
-      </p:sp>
-      <p:sp>
-        <p:nvSpPr>
-          <p:cNvPr id="6" name="Titel 5"/>
-          <p:cNvSpPr>
-            <a:spLocks noGrp="1"/>
-          </p:cNvSpPr>
-          <p:nvPr>
-            <p:ph type="title"/>
-          </p:nvPr>
-        </p:nvSpPr>
-        <p:spPr/>
-        <p:txBody>
-          <a:bodyPr/>
-          <a:lstStyle/>
-          <a:p>
-            <a:r>
-              <a:rPr lang="de-DE" dirty="0"/>
-              <a:t>Fortsetzungsmöglichkeiten</a:t>
-            </a:r>
-          </a:p>
-        </p:txBody>
-      </p:sp>
-    </p:spTree>
-    <p:extLst>
-      <p:ext uri="{BB962C8B-B14F-4D97-AF65-F5344CB8AC3E}">
-        <p14:creationId xmlns:p14="http://schemas.microsoft.com/office/powerpoint/2010/main" val="3073158476"/>
-      </p:ext>
-    </p:extLst>
-  </p:cSld>
-  <p:clrMapOvr>
-    <a:masterClrMapping/>
-  </p:clrMapOvr>
-</p:sld>
-</file>
-
 <file path=ppt/slides/slide13.xml><?xml version="1.0" encoding="utf-8"?>
 <p:sld xmlns:a="http://schemas.openxmlformats.org/drawingml/2006/main" xmlns:r="http://schemas.openxmlformats.org/officeDocument/2006/relationships" xmlns:p="http://schemas.openxmlformats.org/presentationml/2006/main">
   <p:cSld>
@@ -7228,52 +7361,218 @@
           <a:bodyPr/>
           <a:lstStyle/>
           <a:p>
-            <a:pPr marL="0" indent="0" algn="ctr">
-              <a:buNone/>
-            </a:pPr>
+            <a:r>
+              <a:rPr lang="de-DE" dirty="0" smtClean="0">
+                <a:solidFill>
+                  <a:schemeClr val="bg1">
+                    <a:lumMod val="50000"/>
+                  </a:schemeClr>
+                </a:solidFill>
+              </a:rPr>
+              <a:t>Einleitung</a:t>
+            </a:r>
+          </a:p>
+          <a:p>
+            <a:pPr lvl="1"/>
+            <a:r>
+              <a:rPr lang="de-DE" sz="2000" dirty="0" smtClean="0">
+                <a:solidFill>
+                  <a:schemeClr val="bg1">
+                    <a:lumMod val="50000"/>
+                  </a:schemeClr>
+                </a:solidFill>
+              </a:rPr>
+              <a:t>Motivation</a:t>
+            </a:r>
+          </a:p>
+          <a:p>
+            <a:pPr lvl="1"/>
+            <a:r>
+              <a:rPr lang="de-DE" dirty="0" smtClean="0">
+                <a:solidFill>
+                  <a:schemeClr val="bg1">
+                    <a:lumMod val="50000"/>
+                  </a:schemeClr>
+                </a:solidFill>
+              </a:rPr>
+              <a:t>Zielsetzung</a:t>
+            </a:r>
+          </a:p>
+          <a:p>
+            <a:r>
+              <a:rPr lang="de-DE" dirty="0" smtClean="0">
+                <a:solidFill>
+                  <a:schemeClr val="bg1">
+                    <a:lumMod val="50000"/>
+                  </a:schemeClr>
+                </a:solidFill>
+              </a:rPr>
+              <a:t>Grundlage der Topologie</a:t>
+            </a:r>
+          </a:p>
+          <a:p>
+            <a:pPr lvl="1"/>
+            <a:r>
+              <a:rPr lang="de-DE" dirty="0" smtClean="0">
+                <a:solidFill>
+                  <a:schemeClr val="bg1">
+                    <a:lumMod val="50000"/>
+                  </a:schemeClr>
+                </a:solidFill>
+              </a:rPr>
+              <a:t>Begriffserklärung</a:t>
+            </a:r>
+          </a:p>
+          <a:p>
+            <a:pPr lvl="1"/>
+            <a:r>
+              <a:rPr lang="de-DE" dirty="0" err="1" smtClean="0">
+                <a:solidFill>
+                  <a:schemeClr val="bg1">
+                    <a:lumMod val="50000"/>
+                  </a:schemeClr>
+                </a:solidFill>
+              </a:rPr>
+              <a:t>Topologiemuster</a:t>
+            </a:r>
+            <a:endParaRPr lang="de-DE" dirty="0" smtClean="0">
+              <a:solidFill>
+                <a:schemeClr val="bg1">
+                  <a:lumMod val="50000"/>
+                </a:schemeClr>
+              </a:solidFill>
+            </a:endParaRPr>
+          </a:p>
+          <a:p>
+            <a:pPr lvl="1"/>
+            <a:r>
+              <a:rPr lang="de-DE" dirty="0" smtClean="0">
+                <a:solidFill>
+                  <a:schemeClr val="bg1">
+                    <a:lumMod val="50000"/>
+                  </a:schemeClr>
+                </a:solidFill>
+              </a:rPr>
+              <a:t>Netzwerke-Protokolle</a:t>
+            </a:r>
+          </a:p>
+          <a:p>
+            <a:r>
+              <a:rPr lang="de-DE" dirty="0" smtClean="0">
+                <a:solidFill>
+                  <a:schemeClr val="bg1">
+                    <a:lumMod val="50000"/>
+                  </a:schemeClr>
+                </a:solidFill>
+              </a:rPr>
+              <a:t>Anforderungsanalyse   </a:t>
+            </a:r>
+          </a:p>
+          <a:p>
+            <a:pPr lvl="1"/>
+            <a:r>
+              <a:rPr lang="de-DE" dirty="0" smtClean="0">
+                <a:solidFill>
+                  <a:schemeClr val="bg1">
+                    <a:lumMod val="50000"/>
+                  </a:schemeClr>
+                </a:solidFill>
+              </a:rPr>
+              <a:t>Funktionale Anforderungen</a:t>
+            </a:r>
+          </a:p>
+          <a:p>
+            <a:pPr lvl="1"/>
+            <a:r>
+              <a:rPr lang="de-DE" dirty="0" smtClean="0">
+                <a:solidFill>
+                  <a:schemeClr val="bg1">
+                    <a:lumMod val="50000"/>
+                  </a:schemeClr>
+                </a:solidFill>
+              </a:rPr>
+              <a:t>Nichtfunktionale Anforderungen</a:t>
+            </a:r>
+          </a:p>
+          <a:p>
+            <a:r>
+              <a:rPr lang="de-DE" dirty="0" smtClean="0">
+                <a:solidFill>
+                  <a:schemeClr val="bg1">
+                    <a:lumMod val="50000"/>
+                  </a:schemeClr>
+                </a:solidFill>
+              </a:rPr>
+              <a:t>Evaluation der JavaScript-Frameworks(erstes Ergebnis)</a:t>
+            </a:r>
+          </a:p>
+          <a:p>
+            <a:r>
+              <a:rPr lang="de-DE" dirty="0" smtClean="0">
+                <a:solidFill>
+                  <a:schemeClr val="bg1">
+                    <a:lumMod val="50000"/>
+                  </a:schemeClr>
+                </a:solidFill>
+              </a:rPr>
+              <a:t>Konzepte der </a:t>
+            </a:r>
+            <a:r>
+              <a:rPr lang="de-DE" dirty="0" err="1" smtClean="0">
+                <a:solidFill>
+                  <a:schemeClr val="bg1">
+                    <a:lumMod val="50000"/>
+                  </a:schemeClr>
+                </a:solidFill>
+              </a:rPr>
+              <a:t>Topology</a:t>
+            </a:r>
+            <a:r>
+              <a:rPr lang="de-DE" dirty="0" smtClean="0">
+                <a:solidFill>
+                  <a:schemeClr val="bg1">
+                    <a:lumMod val="50000"/>
+                  </a:schemeClr>
+                </a:solidFill>
+              </a:rPr>
+              <a:t>-Editor (zweites Ergebnis)</a:t>
+            </a:r>
+          </a:p>
+          <a:p>
+            <a:r>
+              <a:rPr lang="de-DE" b="1" dirty="0" smtClean="0"/>
+              <a:t>Prototype Implementierung(drittes Ergebnis)</a:t>
+            </a:r>
+          </a:p>
+          <a:p>
+            <a:r>
+              <a:rPr lang="de-DE" dirty="0">
+                <a:solidFill>
+                  <a:schemeClr val="tx2">
+                    <a:lumMod val="50000"/>
+                    <a:lumOff val="50000"/>
+                  </a:schemeClr>
+                </a:solidFill>
+              </a:rPr>
+              <a:t>Fortsetzungsmöglichkeiten</a:t>
+            </a:r>
+            <a:endParaRPr lang="de-DE" dirty="0" smtClean="0">
+              <a:solidFill>
+                <a:schemeClr val="tx2">
+                  <a:lumMod val="50000"/>
+                  <a:lumOff val="50000"/>
+                </a:schemeClr>
+              </a:solidFill>
+            </a:endParaRPr>
+          </a:p>
+          <a:p>
             <a:endParaRPr lang="de-DE" dirty="0" smtClean="0"/>
           </a:p>
           <a:p>
-            <a:pPr marL="0" indent="0" algn="ctr">
-              <a:buNone/>
-            </a:pPr>
-            <a:endParaRPr lang="de-DE" sz="3600" dirty="0"/>
-          </a:p>
-          <a:p>
-            <a:pPr marL="0" indent="0" algn="ctr">
-              <a:buNone/>
-            </a:pPr>
-            <a:r>
-              <a:rPr lang="de-DE" sz="3600" dirty="0" smtClean="0"/>
-              <a:t>Vielen Dank für Ihre Aufmerksamkeit!</a:t>
-            </a:r>
-          </a:p>
-          <a:p>
-            <a:pPr marL="0" indent="0" algn="ctr">
-              <a:buNone/>
-            </a:pPr>
+            <a:endParaRPr lang="de-DE" dirty="0" smtClean="0"/>
+          </a:p>
+          <a:p>
             <a:endParaRPr lang="de-DE" dirty="0"/>
-          </a:p>
-          <a:p>
-            <a:pPr marL="0" indent="0" algn="ctr">
-              <a:buNone/>
-            </a:pPr>
-            <a:endParaRPr lang="de-DE" dirty="0"/>
-          </a:p>
-          <a:p>
-            <a:pPr marL="0" indent="0" algn="ctr">
-              <a:buNone/>
-            </a:pPr>
-            <a:r>
-              <a:rPr lang="de-DE" dirty="0" smtClean="0"/>
-              <a:t>Quellen, Abbildungen, usw. können in der Masterarbeit nachgeschlagen oder per E-Mail angefordert werden.</a:t>
-            </a:r>
-          </a:p>
-          <a:p>
-            <a:pPr marL="0" indent="0" algn="ctr">
-              <a:buNone/>
-            </a:pPr>
-            <a:endParaRPr lang="de-DE" dirty="0" smtClean="0"/>
           </a:p>
         </p:txBody>
       </p:sp>
@@ -7352,6 +7651,791 @@
                 <a:defRPr/>
               </a:pPr>
               <a:t>13</a:t>
+            </a:fld>
+            <a:endParaRPr lang="de-DE" altLang="de-DE" dirty="0"/>
+          </a:p>
+        </p:txBody>
+      </p:sp>
+      <p:sp>
+        <p:nvSpPr>
+          <p:cNvPr id="6" name="Titel 5"/>
+          <p:cNvSpPr>
+            <a:spLocks noGrp="1"/>
+          </p:cNvSpPr>
+          <p:nvPr>
+            <p:ph type="title"/>
+          </p:nvPr>
+        </p:nvSpPr>
+        <p:spPr/>
+        <p:txBody>
+          <a:bodyPr/>
+          <a:lstStyle/>
+          <a:p>
+            <a:r>
+              <a:rPr lang="de-DE" dirty="0" smtClean="0"/>
+              <a:t>Agenda</a:t>
+            </a:r>
+            <a:endParaRPr lang="de-DE" dirty="0"/>
+          </a:p>
+        </p:txBody>
+      </p:sp>
+    </p:spTree>
+    <p:extLst>
+      <p:ext uri="{BB962C8B-B14F-4D97-AF65-F5344CB8AC3E}">
+        <p14:creationId xmlns:p14="http://schemas.microsoft.com/office/powerpoint/2010/main" val="2934942994"/>
+      </p:ext>
+    </p:extLst>
+  </p:cSld>
+  <p:clrMapOvr>
+    <a:masterClrMapping/>
+  </p:clrMapOvr>
+  <p:timing>
+    <p:tnLst>
+      <p:par>
+        <p:cTn id="1" dur="indefinite" restart="never" nodeType="tmRoot"/>
+      </p:par>
+    </p:tnLst>
+  </p:timing>
+</p:sld>
+</file>
+
+<file path=ppt/slides/slide14.xml><?xml version="1.0" encoding="utf-8"?>
+<p:sld xmlns:a="http://schemas.openxmlformats.org/drawingml/2006/main" xmlns:r="http://schemas.openxmlformats.org/officeDocument/2006/relationships" xmlns:p="http://schemas.openxmlformats.org/presentationml/2006/main">
+  <p:cSld>
+    <p:spTree>
+      <p:nvGrpSpPr>
+        <p:cNvPr id="1" name=""/>
+        <p:cNvGrpSpPr/>
+        <p:nvPr/>
+      </p:nvGrpSpPr>
+      <p:grpSpPr>
+        <a:xfrm>
+          <a:off x="0" y="0"/>
+          <a:ext cx="0" cy="0"/>
+          <a:chOff x="0" y="0"/>
+          <a:chExt cx="0" cy="0"/>
+        </a:xfrm>
+      </p:grpSpPr>
+      <p:sp>
+        <p:nvSpPr>
+          <p:cNvPr id="2" name="Inhaltsplatzhalter 1"/>
+          <p:cNvSpPr>
+            <a:spLocks noGrp="1"/>
+          </p:cNvSpPr>
+          <p:nvPr>
+            <p:ph sz="quarter" idx="13"/>
+          </p:nvPr>
+        </p:nvSpPr>
+        <p:spPr/>
+        <p:txBody>
+          <a:bodyPr/>
+          <a:lstStyle/>
+          <a:p>
+            <a:r>
+              <a:rPr lang="de-DE" dirty="0" smtClean="0">
+                <a:solidFill>
+                  <a:schemeClr val="bg1">
+                    <a:lumMod val="50000"/>
+                  </a:schemeClr>
+                </a:solidFill>
+              </a:rPr>
+              <a:t>Einleitung</a:t>
+            </a:r>
+          </a:p>
+          <a:p>
+            <a:pPr lvl="1"/>
+            <a:r>
+              <a:rPr lang="de-DE" sz="2000" dirty="0" smtClean="0">
+                <a:solidFill>
+                  <a:schemeClr val="bg1">
+                    <a:lumMod val="50000"/>
+                  </a:schemeClr>
+                </a:solidFill>
+              </a:rPr>
+              <a:t>Motivation</a:t>
+            </a:r>
+          </a:p>
+          <a:p>
+            <a:pPr lvl="1"/>
+            <a:r>
+              <a:rPr lang="de-DE" dirty="0" smtClean="0">
+                <a:solidFill>
+                  <a:schemeClr val="bg1">
+                    <a:lumMod val="50000"/>
+                  </a:schemeClr>
+                </a:solidFill>
+              </a:rPr>
+              <a:t>Zielsetzung</a:t>
+            </a:r>
+          </a:p>
+          <a:p>
+            <a:r>
+              <a:rPr lang="de-DE" dirty="0" smtClean="0">
+                <a:solidFill>
+                  <a:schemeClr val="bg1">
+                    <a:lumMod val="50000"/>
+                  </a:schemeClr>
+                </a:solidFill>
+              </a:rPr>
+              <a:t>Grundlage der Topologie</a:t>
+            </a:r>
+          </a:p>
+          <a:p>
+            <a:pPr lvl="1"/>
+            <a:r>
+              <a:rPr lang="de-DE" dirty="0" smtClean="0">
+                <a:solidFill>
+                  <a:schemeClr val="bg1">
+                    <a:lumMod val="50000"/>
+                  </a:schemeClr>
+                </a:solidFill>
+              </a:rPr>
+              <a:t>Begriffserklärung</a:t>
+            </a:r>
+          </a:p>
+          <a:p>
+            <a:pPr lvl="1"/>
+            <a:r>
+              <a:rPr lang="de-DE" dirty="0" err="1" smtClean="0">
+                <a:solidFill>
+                  <a:schemeClr val="bg1">
+                    <a:lumMod val="50000"/>
+                  </a:schemeClr>
+                </a:solidFill>
+              </a:rPr>
+              <a:t>Topologiemuster</a:t>
+            </a:r>
+            <a:endParaRPr lang="de-DE" dirty="0" smtClean="0">
+              <a:solidFill>
+                <a:schemeClr val="bg1">
+                  <a:lumMod val="50000"/>
+                </a:schemeClr>
+              </a:solidFill>
+            </a:endParaRPr>
+          </a:p>
+          <a:p>
+            <a:pPr lvl="1"/>
+            <a:r>
+              <a:rPr lang="de-DE" dirty="0" smtClean="0">
+                <a:solidFill>
+                  <a:schemeClr val="bg1">
+                    <a:lumMod val="50000"/>
+                  </a:schemeClr>
+                </a:solidFill>
+              </a:rPr>
+              <a:t>Netzwerke-Protokolle</a:t>
+            </a:r>
+          </a:p>
+          <a:p>
+            <a:r>
+              <a:rPr lang="de-DE" dirty="0" smtClean="0">
+                <a:solidFill>
+                  <a:schemeClr val="bg1">
+                    <a:lumMod val="50000"/>
+                  </a:schemeClr>
+                </a:solidFill>
+              </a:rPr>
+              <a:t>Anforderungsanalyse   </a:t>
+            </a:r>
+          </a:p>
+          <a:p>
+            <a:pPr lvl="1"/>
+            <a:r>
+              <a:rPr lang="de-DE" dirty="0" smtClean="0">
+                <a:solidFill>
+                  <a:schemeClr val="bg1">
+                    <a:lumMod val="50000"/>
+                  </a:schemeClr>
+                </a:solidFill>
+              </a:rPr>
+              <a:t>Funktionale Anforderungen</a:t>
+            </a:r>
+          </a:p>
+          <a:p>
+            <a:pPr lvl="1"/>
+            <a:r>
+              <a:rPr lang="de-DE" dirty="0" smtClean="0">
+                <a:solidFill>
+                  <a:schemeClr val="bg1">
+                    <a:lumMod val="50000"/>
+                  </a:schemeClr>
+                </a:solidFill>
+              </a:rPr>
+              <a:t>Nichtfunktionale Anforderungen</a:t>
+            </a:r>
+          </a:p>
+          <a:p>
+            <a:r>
+              <a:rPr lang="de-DE" dirty="0" smtClean="0">
+                <a:solidFill>
+                  <a:schemeClr val="bg1">
+                    <a:lumMod val="50000"/>
+                  </a:schemeClr>
+                </a:solidFill>
+              </a:rPr>
+              <a:t>Evaluation der JavaScript-Frameworks(erstes Ergebnis)</a:t>
+            </a:r>
+          </a:p>
+          <a:p>
+            <a:r>
+              <a:rPr lang="de-DE" dirty="0" smtClean="0">
+                <a:solidFill>
+                  <a:schemeClr val="bg1">
+                    <a:lumMod val="50000"/>
+                  </a:schemeClr>
+                </a:solidFill>
+              </a:rPr>
+              <a:t>Konzepte der </a:t>
+            </a:r>
+            <a:r>
+              <a:rPr lang="de-DE" dirty="0" err="1" smtClean="0">
+                <a:solidFill>
+                  <a:schemeClr val="bg1">
+                    <a:lumMod val="50000"/>
+                  </a:schemeClr>
+                </a:solidFill>
+              </a:rPr>
+              <a:t>Topology</a:t>
+            </a:r>
+            <a:r>
+              <a:rPr lang="de-DE" dirty="0" smtClean="0">
+                <a:solidFill>
+                  <a:schemeClr val="bg1">
+                    <a:lumMod val="50000"/>
+                  </a:schemeClr>
+                </a:solidFill>
+              </a:rPr>
+              <a:t>-Editor (zweites Ergebnis)</a:t>
+            </a:r>
+          </a:p>
+          <a:p>
+            <a:r>
+              <a:rPr lang="de-DE" dirty="0" smtClean="0">
+                <a:solidFill>
+                  <a:schemeClr val="bg1">
+                    <a:lumMod val="50000"/>
+                  </a:schemeClr>
+                </a:solidFill>
+              </a:rPr>
+              <a:t>Prototype Implementierung(drittes Ergebnis)</a:t>
+            </a:r>
+          </a:p>
+          <a:p>
+            <a:r>
+              <a:rPr lang="de-DE" b="1" dirty="0"/>
+              <a:t>Fortsetzungsmöglichkeiten</a:t>
+            </a:r>
+            <a:endParaRPr lang="de-DE" b="1" dirty="0" smtClean="0"/>
+          </a:p>
+          <a:p>
+            <a:endParaRPr lang="de-DE" dirty="0" smtClean="0"/>
+          </a:p>
+          <a:p>
+            <a:endParaRPr lang="de-DE" dirty="0" smtClean="0"/>
+          </a:p>
+          <a:p>
+            <a:endParaRPr lang="de-DE" dirty="0"/>
+          </a:p>
+        </p:txBody>
+      </p:sp>
+      <p:sp>
+        <p:nvSpPr>
+          <p:cNvPr id="3" name="Datumsplatzhalter 2"/>
+          <p:cNvSpPr>
+            <a:spLocks noGrp="1"/>
+          </p:cNvSpPr>
+          <p:nvPr>
+            <p:ph type="dt" sz="half" idx="14"/>
+          </p:nvPr>
+        </p:nvSpPr>
+        <p:spPr/>
+        <p:txBody>
+          <a:bodyPr/>
+          <a:lstStyle/>
+          <a:p>
+            <a:pPr>
+              <a:defRPr/>
+            </a:pPr>
+            <a:fld id="{C098E26C-8BAA-4ACE-83C6-8F04F03DE16F}" type="datetime1">
+              <a:rPr lang="de-DE" smtClean="0"/>
+              <a:pPr>
+                <a:defRPr/>
+              </a:pPr>
+              <a:t>20.07.2018</a:t>
+            </a:fld>
+            <a:endParaRPr lang="de-DE" dirty="0"/>
+          </a:p>
+        </p:txBody>
+      </p:sp>
+      <p:sp>
+        <p:nvSpPr>
+          <p:cNvPr id="4" name="Fußzeilenplatzhalter 3"/>
+          <p:cNvSpPr>
+            <a:spLocks noGrp="1"/>
+          </p:cNvSpPr>
+          <p:nvPr>
+            <p:ph type="ftr" sz="quarter" idx="15"/>
+          </p:nvPr>
+        </p:nvSpPr>
+        <p:spPr/>
+        <p:txBody>
+          <a:bodyPr/>
+          <a:lstStyle/>
+          <a:p>
+            <a:pPr>
+              <a:defRPr/>
+            </a:pPr>
+            <a:endParaRPr lang="de-DE"/>
+          </a:p>
+        </p:txBody>
+      </p:sp>
+      <p:sp>
+        <p:nvSpPr>
+          <p:cNvPr id="5" name="Foliennummernplatzhalter 4"/>
+          <p:cNvSpPr>
+            <a:spLocks noGrp="1"/>
+          </p:cNvSpPr>
+          <p:nvPr>
+            <p:ph type="sldNum" sz="quarter" idx="16"/>
+          </p:nvPr>
+        </p:nvSpPr>
+        <p:spPr/>
+        <p:txBody>
+          <a:bodyPr/>
+          <a:lstStyle/>
+          <a:p>
+            <a:pPr>
+              <a:defRPr/>
+            </a:pPr>
+            <a:fld id="{7A8CEE4A-E163-47DE-8784-5B8DE9F7A78A}" type="slidenum">
+              <a:rPr lang="de-DE" altLang="de-DE" smtClean="0"/>
+              <a:pPr>
+                <a:defRPr/>
+              </a:pPr>
+              <a:t>14</a:t>
+            </a:fld>
+            <a:endParaRPr lang="de-DE" altLang="de-DE" dirty="0"/>
+          </a:p>
+        </p:txBody>
+      </p:sp>
+      <p:sp>
+        <p:nvSpPr>
+          <p:cNvPr id="6" name="Titel 5"/>
+          <p:cNvSpPr>
+            <a:spLocks noGrp="1"/>
+          </p:cNvSpPr>
+          <p:nvPr>
+            <p:ph type="title"/>
+          </p:nvPr>
+        </p:nvSpPr>
+        <p:spPr/>
+        <p:txBody>
+          <a:bodyPr/>
+          <a:lstStyle/>
+          <a:p>
+            <a:r>
+              <a:rPr lang="de-DE" dirty="0" smtClean="0"/>
+              <a:t>Agenda</a:t>
+            </a:r>
+            <a:endParaRPr lang="de-DE" dirty="0"/>
+          </a:p>
+        </p:txBody>
+      </p:sp>
+    </p:spTree>
+    <p:extLst>
+      <p:ext uri="{BB962C8B-B14F-4D97-AF65-F5344CB8AC3E}">
+        <p14:creationId xmlns:p14="http://schemas.microsoft.com/office/powerpoint/2010/main" val="3394915412"/>
+      </p:ext>
+    </p:extLst>
+  </p:cSld>
+  <p:clrMapOvr>
+    <a:masterClrMapping/>
+  </p:clrMapOvr>
+  <p:timing>
+    <p:tnLst>
+      <p:par>
+        <p:cTn id="1" dur="indefinite" restart="never" nodeType="tmRoot"/>
+      </p:par>
+    </p:tnLst>
+  </p:timing>
+</p:sld>
+</file>
+
+<file path=ppt/slides/slide15.xml><?xml version="1.0" encoding="utf-8"?>
+<p:sld xmlns:a="http://schemas.openxmlformats.org/drawingml/2006/main" xmlns:r="http://schemas.openxmlformats.org/officeDocument/2006/relationships" xmlns:p="http://schemas.openxmlformats.org/presentationml/2006/main">
+  <p:cSld>
+    <p:spTree>
+      <p:nvGrpSpPr>
+        <p:cNvPr id="1" name=""/>
+        <p:cNvGrpSpPr/>
+        <p:nvPr/>
+      </p:nvGrpSpPr>
+      <p:grpSpPr>
+        <a:xfrm>
+          <a:off x="0" y="0"/>
+          <a:ext cx="0" cy="0"/>
+          <a:chOff x="0" y="0"/>
+          <a:chExt cx="0" cy="0"/>
+        </a:xfrm>
+      </p:grpSpPr>
+      <p:sp>
+        <p:nvSpPr>
+          <p:cNvPr id="2" name="Inhaltsplatzhalter 1"/>
+          <p:cNvSpPr>
+            <a:spLocks noGrp="1"/>
+          </p:cNvSpPr>
+          <p:nvPr>
+            <p:ph sz="quarter" idx="13"/>
+          </p:nvPr>
+        </p:nvSpPr>
+        <p:spPr/>
+        <p:txBody>
+          <a:bodyPr/>
+          <a:lstStyle/>
+          <a:p>
+            <a:pPr>
+              <a:lnSpc>
+                <a:spcPct val="200000"/>
+              </a:lnSpc>
+            </a:pPr>
+            <a:r>
+              <a:rPr lang="de-DE" dirty="0" smtClean="0"/>
+              <a:t>Tatsächliche Implementierung des </a:t>
+            </a:r>
+            <a:r>
+              <a:rPr lang="de-DE" dirty="0" err="1" smtClean="0"/>
+              <a:t>Topology</a:t>
+            </a:r>
+            <a:r>
+              <a:rPr lang="de-DE" dirty="0" smtClean="0"/>
+              <a:t>-Editors </a:t>
+            </a:r>
+          </a:p>
+          <a:p>
+            <a:pPr>
+              <a:lnSpc>
+                <a:spcPct val="200000"/>
+              </a:lnSpc>
+            </a:pPr>
+            <a:r>
+              <a:rPr lang="de-DE" dirty="0" smtClean="0"/>
+              <a:t>Unterstützung der Echtzeitverhalten</a:t>
+            </a:r>
+          </a:p>
+          <a:p>
+            <a:pPr>
+              <a:lnSpc>
+                <a:spcPct val="200000"/>
+              </a:lnSpc>
+            </a:pPr>
+            <a:r>
+              <a:rPr lang="de-DE" dirty="0" smtClean="0"/>
+              <a:t>Hohe Übertragungssicherheit gewährleisten </a:t>
+            </a:r>
+          </a:p>
+          <a:p>
+            <a:pPr>
+              <a:lnSpc>
+                <a:spcPct val="200000"/>
+              </a:lnSpc>
+            </a:pPr>
+            <a:r>
+              <a:rPr lang="de-DE" dirty="0" smtClean="0"/>
+              <a:t>Implementierung der Funktion für die logische Topologie</a:t>
+            </a:r>
+          </a:p>
+          <a:p>
+            <a:pPr>
+              <a:lnSpc>
+                <a:spcPct val="200000"/>
+              </a:lnSpc>
+            </a:pPr>
+            <a:r>
+              <a:rPr lang="de-DE" dirty="0"/>
+              <a:t>Implementierung der Funktion für </a:t>
+            </a:r>
+            <a:r>
+              <a:rPr lang="de-DE" dirty="0" smtClean="0"/>
+              <a:t>die Darstellung der Submodule</a:t>
+            </a:r>
+            <a:endParaRPr lang="de-DE" dirty="0"/>
+          </a:p>
+          <a:p>
+            <a:endParaRPr lang="de-DE" dirty="0"/>
+          </a:p>
+        </p:txBody>
+      </p:sp>
+      <p:sp>
+        <p:nvSpPr>
+          <p:cNvPr id="3" name="Datumsplatzhalter 2"/>
+          <p:cNvSpPr>
+            <a:spLocks noGrp="1"/>
+          </p:cNvSpPr>
+          <p:nvPr>
+            <p:ph type="dt" sz="half" idx="14"/>
+          </p:nvPr>
+        </p:nvSpPr>
+        <p:spPr/>
+        <p:txBody>
+          <a:bodyPr/>
+          <a:lstStyle/>
+          <a:p>
+            <a:pPr>
+              <a:defRPr/>
+            </a:pPr>
+            <a:fld id="{C098E26C-8BAA-4ACE-83C6-8F04F03DE16F}" type="datetime1">
+              <a:rPr lang="de-DE" smtClean="0"/>
+              <a:pPr>
+                <a:defRPr/>
+              </a:pPr>
+              <a:t>20.07.2018</a:t>
+            </a:fld>
+            <a:endParaRPr lang="de-DE" dirty="0"/>
+          </a:p>
+        </p:txBody>
+      </p:sp>
+      <p:sp>
+        <p:nvSpPr>
+          <p:cNvPr id="4" name="Fußzeilenplatzhalter 3"/>
+          <p:cNvSpPr>
+            <a:spLocks noGrp="1"/>
+          </p:cNvSpPr>
+          <p:nvPr>
+            <p:ph type="ftr" sz="quarter" idx="15"/>
+          </p:nvPr>
+        </p:nvSpPr>
+        <p:spPr/>
+        <p:txBody>
+          <a:bodyPr/>
+          <a:lstStyle/>
+          <a:p>
+            <a:pPr>
+              <a:defRPr/>
+            </a:pPr>
+            <a:endParaRPr lang="de-DE"/>
+          </a:p>
+        </p:txBody>
+      </p:sp>
+      <p:sp>
+        <p:nvSpPr>
+          <p:cNvPr id="5" name="Foliennummernplatzhalter 4"/>
+          <p:cNvSpPr>
+            <a:spLocks noGrp="1"/>
+          </p:cNvSpPr>
+          <p:nvPr>
+            <p:ph type="sldNum" sz="quarter" idx="16"/>
+          </p:nvPr>
+        </p:nvSpPr>
+        <p:spPr/>
+        <p:txBody>
+          <a:bodyPr/>
+          <a:lstStyle/>
+          <a:p>
+            <a:pPr>
+              <a:defRPr/>
+            </a:pPr>
+            <a:fld id="{7A8CEE4A-E163-47DE-8784-5B8DE9F7A78A}" type="slidenum">
+              <a:rPr lang="de-DE" altLang="de-DE" smtClean="0"/>
+              <a:pPr>
+                <a:defRPr/>
+              </a:pPr>
+              <a:t>15</a:t>
+            </a:fld>
+            <a:endParaRPr lang="de-DE" altLang="de-DE" dirty="0"/>
+          </a:p>
+        </p:txBody>
+      </p:sp>
+      <p:sp>
+        <p:nvSpPr>
+          <p:cNvPr id="6" name="Titel 5"/>
+          <p:cNvSpPr>
+            <a:spLocks noGrp="1"/>
+          </p:cNvSpPr>
+          <p:nvPr>
+            <p:ph type="title"/>
+          </p:nvPr>
+        </p:nvSpPr>
+        <p:spPr/>
+        <p:txBody>
+          <a:bodyPr/>
+          <a:lstStyle/>
+          <a:p>
+            <a:r>
+              <a:rPr lang="de-DE" dirty="0"/>
+              <a:t>Fortsetzungsmöglichkeiten</a:t>
+            </a:r>
+          </a:p>
+        </p:txBody>
+      </p:sp>
+    </p:spTree>
+    <p:extLst>
+      <p:ext uri="{BB962C8B-B14F-4D97-AF65-F5344CB8AC3E}">
+        <p14:creationId xmlns:p14="http://schemas.microsoft.com/office/powerpoint/2010/main" val="3073158476"/>
+      </p:ext>
+    </p:extLst>
+  </p:cSld>
+  <p:clrMapOvr>
+    <a:masterClrMapping/>
+  </p:clrMapOvr>
+</p:sld>
+</file>
+
+<file path=ppt/slides/slide16.xml><?xml version="1.0" encoding="utf-8"?>
+<p:sld xmlns:a="http://schemas.openxmlformats.org/drawingml/2006/main" xmlns:r="http://schemas.openxmlformats.org/officeDocument/2006/relationships" xmlns:p="http://schemas.openxmlformats.org/presentationml/2006/main">
+  <p:cSld>
+    <p:spTree>
+      <p:nvGrpSpPr>
+        <p:cNvPr id="1" name=""/>
+        <p:cNvGrpSpPr/>
+        <p:nvPr/>
+      </p:nvGrpSpPr>
+      <p:grpSpPr>
+        <a:xfrm>
+          <a:off x="0" y="0"/>
+          <a:ext cx="0" cy="0"/>
+          <a:chOff x="0" y="0"/>
+          <a:chExt cx="0" cy="0"/>
+        </a:xfrm>
+      </p:grpSpPr>
+      <p:sp>
+        <p:nvSpPr>
+          <p:cNvPr id="2" name="Inhaltsplatzhalter 1"/>
+          <p:cNvSpPr>
+            <a:spLocks noGrp="1"/>
+          </p:cNvSpPr>
+          <p:nvPr>
+            <p:ph sz="quarter" idx="13"/>
+          </p:nvPr>
+        </p:nvSpPr>
+        <p:spPr/>
+        <p:txBody>
+          <a:bodyPr/>
+          <a:lstStyle/>
+          <a:p>
+            <a:pPr marL="0" indent="0" algn="ctr">
+              <a:buNone/>
+            </a:pPr>
+            <a:endParaRPr lang="de-DE" dirty="0" smtClean="0"/>
+          </a:p>
+          <a:p>
+            <a:pPr marL="0" indent="0" algn="ctr">
+              <a:buNone/>
+            </a:pPr>
+            <a:endParaRPr lang="de-DE" sz="3600" dirty="0"/>
+          </a:p>
+          <a:p>
+            <a:pPr marL="0" indent="0" algn="ctr">
+              <a:buNone/>
+            </a:pPr>
+            <a:r>
+              <a:rPr lang="de-DE" sz="3600" dirty="0" smtClean="0"/>
+              <a:t>Vielen Dank für Ihre Aufmerksamkeit!</a:t>
+            </a:r>
+          </a:p>
+          <a:p>
+            <a:pPr marL="0" indent="0" algn="ctr">
+              <a:buNone/>
+            </a:pPr>
+            <a:endParaRPr lang="de-DE" dirty="0"/>
+          </a:p>
+          <a:p>
+            <a:pPr marL="0" indent="0" algn="ctr">
+              <a:buNone/>
+            </a:pPr>
+            <a:endParaRPr lang="de-DE" dirty="0"/>
+          </a:p>
+          <a:p>
+            <a:pPr marL="0" indent="0" algn="ctr">
+              <a:buNone/>
+            </a:pPr>
+            <a:r>
+              <a:rPr lang="de-DE" dirty="0" smtClean="0"/>
+              <a:t>Quellen, Abbildungen, usw. können in der Masterarbeit nachgeschlagen oder per E-Mail angefordert werden.</a:t>
+            </a:r>
+          </a:p>
+          <a:p>
+            <a:pPr marL="0" indent="0" algn="ctr">
+              <a:buNone/>
+            </a:pPr>
+            <a:endParaRPr lang="de-DE" dirty="0" smtClean="0"/>
+          </a:p>
+        </p:txBody>
+      </p:sp>
+      <p:sp>
+        <p:nvSpPr>
+          <p:cNvPr id="3" name="Datumsplatzhalter 2"/>
+          <p:cNvSpPr>
+            <a:spLocks noGrp="1"/>
+          </p:cNvSpPr>
+          <p:nvPr>
+            <p:ph type="dt" sz="half" idx="14"/>
+          </p:nvPr>
+        </p:nvSpPr>
+        <p:spPr/>
+        <p:txBody>
+          <a:bodyPr/>
+          <a:lstStyle/>
+          <a:p>
+            <a:pPr>
+              <a:defRPr/>
+            </a:pPr>
+            <a:fld id="{C098E26C-8BAA-4ACE-83C6-8F04F03DE16F}" type="datetime1">
+              <a:rPr lang="de-DE" smtClean="0"/>
+              <a:pPr>
+                <a:defRPr/>
+              </a:pPr>
+              <a:t>20.07.2018</a:t>
+            </a:fld>
+            <a:endParaRPr lang="de-DE" dirty="0"/>
+          </a:p>
+        </p:txBody>
+      </p:sp>
+      <p:sp>
+        <p:nvSpPr>
+          <p:cNvPr id="4" name="Fußzeilenplatzhalter 3"/>
+          <p:cNvSpPr>
+            <a:spLocks noGrp="1"/>
+          </p:cNvSpPr>
+          <p:nvPr>
+            <p:ph type="ftr" sz="quarter" idx="15"/>
+          </p:nvPr>
+        </p:nvSpPr>
+        <p:spPr/>
+        <p:txBody>
+          <a:bodyPr/>
+          <a:lstStyle/>
+          <a:p>
+            <a:pPr>
+              <a:defRPr/>
+            </a:pPr>
+            <a:endParaRPr lang="de-DE"/>
+          </a:p>
+        </p:txBody>
+      </p:sp>
+      <p:sp>
+        <p:nvSpPr>
+          <p:cNvPr id="5" name="Foliennummernplatzhalter 4"/>
+          <p:cNvSpPr>
+            <a:spLocks noGrp="1"/>
+          </p:cNvSpPr>
+          <p:nvPr>
+            <p:ph type="sldNum" sz="quarter" idx="16"/>
+          </p:nvPr>
+        </p:nvSpPr>
+        <p:spPr/>
+        <p:txBody>
+          <a:bodyPr/>
+          <a:lstStyle/>
+          <a:p>
+            <a:pPr>
+              <a:defRPr/>
+            </a:pPr>
+            <a:fld id="{7A8CEE4A-E163-47DE-8784-5B8DE9F7A78A}" type="slidenum">
+              <a:rPr lang="de-DE" altLang="de-DE" smtClean="0"/>
+              <a:pPr>
+                <a:defRPr/>
+              </a:pPr>
+              <a:t>16</a:t>
             </a:fld>
             <a:endParaRPr lang="de-DE" altLang="de-DE" dirty="0"/>
           </a:p>

--- a/Master-Abschlussarbeit.pptx
+++ b/Master-Abschlussarbeit.pptx
@@ -272,7 +272,7 @@
               <a:pPr>
                 <a:defRPr/>
               </a:pPr>
-              <a:t>20.07.2018</a:t>
+              <a:t>29.07.2018</a:t>
             </a:fld>
             <a:endParaRPr lang="de-DE"/>
           </a:p>
@@ -458,7 +458,7 @@
               <a:pPr>
                 <a:defRPr/>
               </a:pPr>
-              <a:t>20.07.2018</a:t>
+              <a:t>29.07.2018</a:t>
             </a:fld>
             <a:endParaRPr lang="de-DE"/>
           </a:p>
@@ -494,7 +494,7 @@
           <a:lstStyle/>
           <a:p>
             <a:pPr lvl="0"/>
-            <a:endParaRPr lang="de-DE" noProof="0" smtClean="0"/>
+            <a:endParaRPr lang="de-DE" noProof="0"/>
           </a:p>
         </p:txBody>
       </p:sp>
@@ -523,35 +523,35 @@
           <a:p>
             <a:pPr lvl="0"/>
             <a:r>
-              <a:rPr lang="de-DE" noProof="0" smtClean="0"/>
+              <a:rPr lang="de-DE" noProof="0"/>
               <a:t>Formatvorlagen des Textmasters bearbeiten</a:t>
             </a:r>
           </a:p>
           <a:p>
             <a:pPr lvl="1"/>
             <a:r>
-              <a:rPr lang="de-DE" noProof="0" smtClean="0"/>
+              <a:rPr lang="de-DE" noProof="0"/>
               <a:t>Zweite Ebene</a:t>
             </a:r>
           </a:p>
           <a:p>
             <a:pPr lvl="2"/>
             <a:r>
-              <a:rPr lang="de-DE" noProof="0" smtClean="0"/>
+              <a:rPr lang="de-DE" noProof="0"/>
               <a:t>Dritte Ebene</a:t>
             </a:r>
           </a:p>
           <a:p>
             <a:pPr lvl="3"/>
             <a:r>
-              <a:rPr lang="de-DE" noProof="0" smtClean="0"/>
+              <a:rPr lang="de-DE" noProof="0"/>
               <a:t>Vierte Ebene</a:t>
             </a:r>
           </a:p>
           <a:p>
             <a:pPr lvl="4"/>
             <a:r>
-              <a:rPr lang="de-DE" noProof="0" smtClean="0"/>
+              <a:rPr lang="de-DE" noProof="0"/>
               <a:t>Fünfte Ebene</a:t>
             </a:r>
           </a:p>
@@ -853,12 +853,17 @@
           </a:bodyPr>
           <a:lstStyle/>
           <a:p>
-            <a:pPr eaLnBrk="1" hangingPunct="1">
+            <a:pPr marL="171450" indent="-171450" eaLnBrk="1" hangingPunct="1">
               <a:spcBef>
                 <a:spcPct val="0"/>
               </a:spcBef>
-            </a:pPr>
-            <a:endParaRPr lang="de-DE" altLang="de-DE" smtClean="0"/>
+              <a:buFontTx/>
+              <a:buChar char="-"/>
+            </a:pPr>
+            <a:r>
+              <a:rPr lang="de-DE" altLang="de-DE" dirty="0"/>
+              <a:t>Guten Tag, meine Damen und Herren, und herzlich Willkommen in meiner Präsentation mit dem Thema …. Mein Name ist G.Z Student und Softwareentwickler bei der Firma Hilscher Ges. für Systemautomation mbH.</a:t>
+            </a:r>
           </a:p>
         </p:txBody>
       </p:sp>
@@ -1013,7 +1018,7 @@
               <a:pPr/>
               <a:t>1</a:t>
             </a:fld>
-            <a:endParaRPr lang="de-DE" altLang="de-DE" smtClean="0"/>
+            <a:endParaRPr lang="de-DE" altLang="de-DE"/>
           </a:p>
         </p:txBody>
       </p:sp>
@@ -1345,15 +1350,15 @@
           <a:lstStyle/>
           <a:p>
             <a:r>
-              <a:rPr lang="de-DE" dirty="0" smtClean="0"/>
+              <a:rPr lang="de-DE" dirty="0"/>
               <a:t>4) </a:t>
             </a:r>
             <a:r>
-              <a:rPr lang="de-DE" dirty="0" err="1" smtClean="0"/>
+              <a:rPr lang="de-DE" dirty="0" err="1"/>
               <a:t>d.h</a:t>
             </a:r>
             <a:r>
-              <a:rPr lang="de-DE" baseline="0" dirty="0" smtClean="0"/>
+              <a:rPr lang="de-DE" baseline="0" dirty="0"/>
               <a:t> mit Berücksichtigung des Datenflusses</a:t>
             </a:r>
             <a:endParaRPr lang="de-DE" dirty="0"/>
@@ -1446,7 +1451,18 @@
           <a:bodyPr/>
           <a:lstStyle/>
           <a:p>
-            <a:endParaRPr lang="de-DE" dirty="0"/>
+            <a:r>
+              <a:rPr lang="de-DE" dirty="0"/>
+              <a:t>Mein Vortrag besteht aus folgenden Teilen: [Erstens] möchte ich Ihnen einen kürzen Überblick über  die Einleitung  geben. [Zweitens]  gehe ich auf die Grundlage der Topologie in IK und die Anforderungsanalyse ein. [Drittens] gehe ich ausführlicher auf die 3. Ergebnisse ein, die in Laufe der Projekte herausgegeben wurden. Einschließlich gibt es noch einige Fortsetzungsmöglichkeiten zu </a:t>
+            </a:r>
+            <a:r>
+              <a:rPr lang="de-DE" dirty="0" err="1"/>
+              <a:t>Topology</a:t>
+            </a:r>
+            <a:r>
+              <a:rPr lang="de-DE" dirty="0"/>
+              <a:t>-Editor Plugin. </a:t>
+            </a:r>
           </a:p>
         </p:txBody>
       </p:sp>
@@ -1537,25 +1553,25 @@
           <a:lstStyle/>
           <a:p>
             <a:r>
-              <a:rPr lang="de-DE" dirty="0" err="1" smtClean="0"/>
-              <a:t>Zeilsetzung</a:t>
-            </a:r>
-            <a:r>
-              <a:rPr lang="de-DE" baseline="0" dirty="0" smtClean="0"/>
+              <a:rPr lang="de-DE" dirty="0"/>
+              <a:t>Zielsetzung</a:t>
+            </a:r>
+            <a:r>
+              <a:rPr lang="de-DE" baseline="0" dirty="0"/>
               <a:t> 1) der in das </a:t>
             </a:r>
             <a:r>
-              <a:rPr lang="de-DE" baseline="0" dirty="0" err="1" smtClean="0"/>
+              <a:rPr lang="de-DE" baseline="0" dirty="0" err="1"/>
               <a:t>ComStudio</a:t>
             </a:r>
             <a:r>
-              <a:rPr lang="de-DE" baseline="0" dirty="0" smtClean="0"/>
+              <a:rPr lang="de-DE" baseline="0" dirty="0"/>
               <a:t> integrierbar ist und leicht erweiterbar ist um die künftige Netzwerke zu unterstützen.</a:t>
             </a:r>
           </a:p>
           <a:p>
             <a:r>
-              <a:rPr lang="de-DE" baseline="0" dirty="0" smtClean="0"/>
+              <a:rPr lang="de-DE" baseline="0" dirty="0"/>
               <a:t>2) Es dem Endnutzer einfaches Management der verschiedenartigen Netzwerkes erlaubt, protokollneutrag implementiert ist.</a:t>
             </a:r>
             <a:endParaRPr lang="de-DE" dirty="0"/>
@@ -1739,23 +1755,23 @@
           <a:lstStyle/>
           <a:p>
             <a:r>
-              <a:rPr lang="de-DE" dirty="0" smtClean="0"/>
+              <a:rPr lang="de-DE" dirty="0"/>
               <a:t>5) </a:t>
             </a:r>
             <a:r>
-              <a:rPr lang="de-DE" dirty="0" err="1" smtClean="0"/>
+              <a:rPr lang="de-DE" dirty="0" err="1"/>
               <a:t>ComStudio</a:t>
             </a:r>
             <a:r>
-              <a:rPr lang="de-DE" baseline="0" dirty="0" smtClean="0"/>
+              <a:rPr lang="de-DE" baseline="0" dirty="0"/>
               <a:t> spricht man von </a:t>
             </a:r>
             <a:r>
-              <a:rPr lang="de-DE" baseline="0" dirty="0" err="1" smtClean="0"/>
+              <a:rPr lang="de-DE" baseline="0" dirty="0" err="1"/>
               <a:t>Ausgangsitution</a:t>
             </a:r>
             <a:r>
-              <a:rPr lang="de-DE" baseline="0" dirty="0" smtClean="0"/>
+              <a:rPr lang="de-DE" baseline="0" dirty="0"/>
               <a:t>.</a:t>
             </a:r>
             <a:endParaRPr lang="de-DE" dirty="0"/>
@@ -1849,15 +1865,15 @@
           <a:lstStyle/>
           <a:p>
             <a:r>
-              <a:rPr lang="de-DE" dirty="0" err="1" smtClean="0"/>
+              <a:rPr lang="de-DE" dirty="0" err="1"/>
               <a:t>Profinet</a:t>
             </a:r>
             <a:r>
-              <a:rPr lang="de-DE" dirty="0" smtClean="0"/>
+              <a:rPr lang="de-DE" dirty="0"/>
               <a:t> IRT Fahrbahn mit mehre</a:t>
             </a:r>
             <a:r>
-              <a:rPr lang="de-DE" baseline="0" dirty="0" smtClean="0"/>
+              <a:rPr lang="de-DE" baseline="0" dirty="0"/>
               <a:t> Spüren.</a:t>
             </a:r>
             <a:endParaRPr lang="de-DE" dirty="0"/>
@@ -2041,11 +2057,11 @@
           <a:lstStyle/>
           <a:p>
             <a:r>
-              <a:rPr lang="de-DE" dirty="0" smtClean="0"/>
+              <a:rPr lang="de-DE" dirty="0"/>
               <a:t>5) Wie Laden, Speichern, Importieren</a:t>
             </a:r>
             <a:r>
-              <a:rPr lang="de-DE" baseline="0" dirty="0" smtClean="0"/>
+              <a:rPr lang="de-DE" baseline="0" dirty="0"/>
               <a:t> und Exportieren</a:t>
             </a:r>
             <a:endParaRPr lang="de-DE" dirty="0"/>
@@ -2341,7 +2357,7 @@
           <a:p>
             <a:pPr lvl="0"/>
             <a:r>
-              <a:rPr lang="de-DE" smtClean="0"/>
+              <a:rPr lang="de-DE"/>
               <a:t>Textmasterformat bearbeiten</a:t>
             </a:r>
           </a:p>
@@ -2387,13 +2403,6 @@
   <p:clrMapOvr>
     <a:masterClrMapping/>
   </p:clrMapOvr>
-  <p:timing>
-    <p:tnLst>
-      <p:par>
-        <p:cTn id="1" dur="indefinite" restart="never" nodeType="tmRoot"/>
-      </p:par>
-    </p:tnLst>
-  </p:timing>
 </p:sldLayout>
 </file>
 
@@ -2447,7 +2456,7 @@
           <a:p>
             <a:pPr lvl="0"/>
             <a:r>
-              <a:rPr lang="de-DE" noProof="0" smtClean="0"/>
+              <a:rPr lang="de-DE" noProof="0"/>
               <a:t>Bild durch Klicken auf Symbol hinzufügen</a:t>
             </a:r>
             <a:endParaRPr lang="de-DE" noProof="0" dirty="0"/>
@@ -2487,7 +2496,7 @@
           <a:p>
             <a:pPr lvl="0"/>
             <a:r>
-              <a:rPr lang="de-DE" noProof="0" smtClean="0"/>
+              <a:rPr lang="de-DE" noProof="0"/>
               <a:t>Bild durch Klicken auf Symbol hinzufügen</a:t>
             </a:r>
             <a:endParaRPr lang="de-DE" noProof="0" dirty="0"/>
@@ -2526,7 +2535,7 @@
               <a:pPr>
                 <a:defRPr/>
               </a:pPr>
-              <a:t>20.07.2018</a:t>
+              <a:t>29.07.2018</a:t>
             </a:fld>
             <a:endParaRPr lang="de-DE" dirty="0"/>
           </a:p>
@@ -2698,7 +2707,7 @@
           </a:lstStyle>
           <a:p>
             <a:r>
-              <a:rPr lang="de-DE" smtClean="0"/>
+              <a:rPr lang="de-DE"/>
               <a:t>Titelmasterformat durch Klicken bearbeiten</a:t>
             </a:r>
             <a:endParaRPr lang="de-DE" dirty="0"/>
@@ -2738,7 +2747,7 @@
           <a:p>
             <a:pPr lvl="0"/>
             <a:r>
-              <a:rPr lang="de-DE" noProof="0" smtClean="0"/>
+              <a:rPr lang="de-DE" noProof="0"/>
               <a:t>Bild durch Klicken auf Symbol hinzufügen</a:t>
             </a:r>
             <a:endParaRPr lang="de-DE" noProof="0" dirty="0"/>
@@ -2778,7 +2787,7 @@
           <a:p>
             <a:pPr lvl="0"/>
             <a:r>
-              <a:rPr lang="de-DE" noProof="0" smtClean="0"/>
+              <a:rPr lang="de-DE" noProof="0"/>
               <a:t>Bild durch Klicken auf Symbol hinzufügen</a:t>
             </a:r>
             <a:endParaRPr lang="de-DE" noProof="0" dirty="0"/>
@@ -2818,7 +2827,7 @@
           <a:p>
             <a:pPr lvl="0"/>
             <a:r>
-              <a:rPr lang="de-DE" noProof="0" smtClean="0"/>
+              <a:rPr lang="de-DE" noProof="0"/>
               <a:t>Bild durch Klicken auf Symbol hinzufügen</a:t>
             </a:r>
             <a:endParaRPr lang="de-DE" noProof="0" dirty="0"/>
@@ -2858,7 +2867,7 @@
           <a:p>
             <a:pPr lvl="0"/>
             <a:r>
-              <a:rPr lang="de-DE" noProof="0" smtClean="0"/>
+              <a:rPr lang="de-DE" noProof="0"/>
               <a:t>Bild durch Klicken auf Symbol hinzufügen</a:t>
             </a:r>
             <a:endParaRPr lang="de-DE" noProof="0" dirty="0"/>
@@ -2898,7 +2907,7 @@
           <a:p>
             <a:pPr lvl="0"/>
             <a:r>
-              <a:rPr lang="de-DE" noProof="0" smtClean="0"/>
+              <a:rPr lang="de-DE" noProof="0"/>
               <a:t>Bild durch Klicken auf Symbol hinzufügen</a:t>
             </a:r>
             <a:endParaRPr lang="de-DE" noProof="0" dirty="0"/>
@@ -2938,7 +2947,7 @@
           <a:p>
             <a:pPr lvl="0"/>
             <a:r>
-              <a:rPr lang="de-DE" noProof="0" smtClean="0"/>
+              <a:rPr lang="de-DE" noProof="0"/>
               <a:t>Bild durch Klicken auf Symbol hinzufügen</a:t>
             </a:r>
             <a:endParaRPr lang="de-DE" noProof="0" dirty="0"/>
@@ -2978,7 +2987,7 @@
           <a:p>
             <a:pPr lvl="0"/>
             <a:r>
-              <a:rPr lang="de-DE" noProof="0" smtClean="0"/>
+              <a:rPr lang="de-DE" noProof="0"/>
               <a:t>Bild durch Klicken auf Symbol hinzufügen</a:t>
             </a:r>
             <a:endParaRPr lang="de-DE" noProof="0" dirty="0"/>
@@ -2995,13 +3004,6 @@
   <p:clrMapOvr>
     <a:masterClrMapping/>
   </p:clrMapOvr>
-  <p:timing>
-    <p:tnLst>
-      <p:par>
-        <p:cTn id="1" dur="indefinite" restart="never" nodeType="tmRoot"/>
-      </p:par>
-    </p:tnLst>
-  </p:timing>
 </p:sldLayout>
 </file>
 
@@ -3159,7 +3161,7 @@
           <a:p>
             <a:pPr lvl="0"/>
             <a:r>
-              <a:rPr lang="de-DE" smtClean="0"/>
+              <a:rPr lang="de-DE"/>
               <a:t>Textmasterformat bearbeiten</a:t>
             </a:r>
           </a:p>
@@ -3205,13 +3207,6 @@
   <p:clrMapOvr>
     <a:masterClrMapping/>
   </p:clrMapOvr>
-  <p:timing>
-    <p:tnLst>
-      <p:par>
-        <p:cTn id="1" dur="indefinite" restart="never" nodeType="tmRoot"/>
-      </p:par>
-    </p:tnLst>
-  </p:timing>
 </p:sldLayout>
 </file>
 
@@ -3294,21 +3289,21 @@
           <a:p>
             <a:pPr lvl="0"/>
             <a:r>
-              <a:rPr lang="de-DE" smtClean="0"/>
+              <a:rPr lang="de-DE"/>
               <a:t>Textmasterformat bearbeiten</a:t>
             </a:r>
           </a:p>
           <a:p>
             <a:pPr lvl="1"/>
             <a:r>
-              <a:rPr lang="de-DE" smtClean="0"/>
+              <a:rPr lang="de-DE"/>
               <a:t>Zweite Ebene</a:t>
             </a:r>
           </a:p>
           <a:p>
             <a:pPr lvl="2"/>
             <a:r>
-              <a:rPr lang="de-DE" smtClean="0"/>
+              <a:rPr lang="de-DE"/>
               <a:t>Dritte Ebene</a:t>
             </a:r>
           </a:p>
@@ -3346,7 +3341,7 @@
               <a:pPr>
                 <a:defRPr/>
               </a:pPr>
-              <a:t>20.07.2018</a:t>
+              <a:t>29.07.2018</a:t>
             </a:fld>
             <a:endParaRPr lang="de-DE" dirty="0"/>
           </a:p>
@@ -3518,7 +3513,7 @@
           </a:lstStyle>
           <a:p>
             <a:r>
-              <a:rPr lang="de-DE" smtClean="0"/>
+              <a:rPr lang="de-DE"/>
               <a:t>Titelmasterformat durch Klicken bearbeiten</a:t>
             </a:r>
             <a:endParaRPr lang="de-DE" dirty="0"/>
@@ -3535,13 +3530,6 @@
   <p:clrMapOvr>
     <a:masterClrMapping/>
   </p:clrMapOvr>
-  <p:timing>
-    <p:tnLst>
-      <p:par>
-        <p:cTn id="1" dur="indefinite" restart="never" nodeType="tmRoot"/>
-      </p:par>
-    </p:tnLst>
-  </p:timing>
 </p:sldLayout>
 </file>
 
@@ -3633,38 +3621,38 @@
           <a:p>
             <a:pPr lvl="0"/>
             <a:r>
-              <a:rPr lang="de-DE" smtClean="0"/>
+              <a:rPr lang="de-DE"/>
               <a:t>Textmasterformat bearbeiten</a:t>
             </a:r>
           </a:p>
           <a:p>
             <a:pPr lvl="1"/>
             <a:r>
-              <a:rPr lang="de-DE" smtClean="0"/>
+              <a:rPr lang="de-DE"/>
               <a:t>Zweite Ebene</a:t>
             </a:r>
           </a:p>
           <a:p>
             <a:pPr lvl="2"/>
             <a:r>
-              <a:rPr lang="de-DE" smtClean="0"/>
+              <a:rPr lang="de-DE"/>
               <a:t>Dritte Ebene</a:t>
             </a:r>
           </a:p>
           <a:p>
             <a:pPr lvl="3"/>
             <a:r>
-              <a:rPr lang="de-DE" smtClean="0"/>
+              <a:rPr lang="de-DE"/>
               <a:t>Vierte Ebene</a:t>
             </a:r>
           </a:p>
           <a:p>
             <a:pPr lvl="4"/>
             <a:r>
-              <a:rPr lang="de-DE" smtClean="0"/>
+              <a:rPr lang="de-DE"/>
               <a:t>Fünfte Ebene</a:t>
             </a:r>
-            <a:endParaRPr lang="de-DE" dirty="0" smtClean="0"/>
+            <a:endParaRPr lang="de-DE" dirty="0"/>
           </a:p>
         </p:txBody>
       </p:sp>
@@ -3700,7 +3688,7 @@
               <a:pPr>
                 <a:defRPr/>
               </a:pPr>
-              <a:t>20.07.2018</a:t>
+              <a:t>29.07.2018</a:t>
             </a:fld>
             <a:endParaRPr lang="de-DE" dirty="0"/>
           </a:p>
@@ -3872,7 +3860,7 @@
           </a:lstStyle>
           <a:p>
             <a:r>
-              <a:rPr lang="de-DE" smtClean="0"/>
+              <a:rPr lang="de-DE"/>
               <a:t>Titelmasterformat durch Klicken bearbeiten</a:t>
             </a:r>
             <a:endParaRPr lang="de-DE" dirty="0"/>
@@ -3889,13 +3877,6 @@
   <p:clrMapOvr>
     <a:masterClrMapping/>
   </p:clrMapOvr>
-  <p:timing>
-    <p:tnLst>
-      <p:par>
-        <p:cTn id="1" dur="indefinite" restart="never" nodeType="tmRoot"/>
-      </p:par>
-    </p:tnLst>
-  </p:timing>
 </p:sldLayout>
 </file>
 
@@ -3965,7 +3946,7 @@
           <a:p>
             <a:pPr lvl="0"/>
             <a:r>
-              <a:rPr lang="de-DE" smtClean="0"/>
+              <a:rPr lang="de-DE"/>
               <a:t>Textmasterformat bearbeiten</a:t>
             </a:r>
           </a:p>
@@ -4004,7 +3985,7 @@
           <a:p>
             <a:pPr lvl="0"/>
             <a:r>
-              <a:rPr lang="de-DE" noProof="0" smtClean="0"/>
+              <a:rPr lang="de-DE" noProof="0"/>
               <a:t>Bild durch Klicken auf Symbol hinzufügen</a:t>
             </a:r>
             <a:endParaRPr lang="de-DE" noProof="0" dirty="0"/>
@@ -4043,7 +4024,7 @@
               <a:pPr>
                 <a:defRPr/>
               </a:pPr>
-              <a:t>20.07.2018</a:t>
+              <a:t>29.07.2018</a:t>
             </a:fld>
             <a:endParaRPr lang="de-DE" dirty="0"/>
           </a:p>
@@ -4215,7 +4196,7 @@
           </a:lstStyle>
           <a:p>
             <a:r>
-              <a:rPr lang="de-DE" smtClean="0"/>
+              <a:rPr lang="de-DE"/>
               <a:t>Titelmasterformat durch Klicken bearbeiten</a:t>
             </a:r>
             <a:endParaRPr lang="de-DE" dirty="0"/>
@@ -4232,13 +4213,6 @@
   <p:clrMapOvr>
     <a:masterClrMapping/>
   </p:clrMapOvr>
-  <p:timing>
-    <p:tnLst>
-      <p:par>
-        <p:cTn id="1" dur="indefinite" restart="never" nodeType="tmRoot"/>
-      </p:par>
-    </p:tnLst>
-  </p:timing>
 </p:sldLayout>
 </file>
 
@@ -4292,7 +4266,7 @@
           <a:p>
             <a:pPr lvl="0"/>
             <a:r>
-              <a:rPr lang="de-DE" noProof="0" smtClean="0"/>
+              <a:rPr lang="de-DE" noProof="0"/>
               <a:t>Bild durch Klicken auf Symbol hinzufügen</a:t>
             </a:r>
             <a:endParaRPr lang="de-DE" noProof="0" dirty="0"/>
@@ -4333,7 +4307,7 @@
           <a:p>
             <a:pPr lvl="0"/>
             <a:r>
-              <a:rPr lang="de-DE" smtClean="0"/>
+              <a:rPr lang="de-DE"/>
               <a:t>Textmasterformat bearbeiten</a:t>
             </a:r>
           </a:p>
@@ -4371,7 +4345,7 @@
               <a:pPr>
                 <a:defRPr/>
               </a:pPr>
-              <a:t>20.07.2018</a:t>
+              <a:t>29.07.2018</a:t>
             </a:fld>
             <a:endParaRPr lang="de-DE" dirty="0"/>
           </a:p>
@@ -4543,7 +4517,7 @@
           </a:lstStyle>
           <a:p>
             <a:r>
-              <a:rPr lang="de-DE" smtClean="0"/>
+              <a:rPr lang="de-DE"/>
               <a:t>Titelmasterformat durch Klicken bearbeiten</a:t>
             </a:r>
             <a:endParaRPr lang="de-DE" dirty="0"/>
@@ -4560,13 +4534,6 @@
   <p:clrMapOvr>
     <a:masterClrMapping/>
   </p:clrMapOvr>
-  <p:timing>
-    <p:tnLst>
-      <p:par>
-        <p:cTn id="1" dur="indefinite" restart="never" nodeType="tmRoot"/>
-      </p:par>
-    </p:tnLst>
-  </p:timing>
 </p:sldLayout>
 </file>
 
@@ -4620,7 +4587,7 @@
           <a:p>
             <a:pPr lvl="0"/>
             <a:r>
-              <a:rPr lang="de-DE" noProof="0" smtClean="0"/>
+              <a:rPr lang="de-DE" noProof="0"/>
               <a:t>Bild durch Klicken auf Symbol hinzufügen</a:t>
             </a:r>
             <a:endParaRPr lang="de-DE" noProof="0" dirty="0"/>
@@ -4660,7 +4627,7 @@
           <a:p>
             <a:pPr lvl="0"/>
             <a:r>
-              <a:rPr lang="de-DE" noProof="0" smtClean="0"/>
+              <a:rPr lang="de-DE" noProof="0"/>
               <a:t>Bild durch Klicken auf Symbol hinzufügen</a:t>
             </a:r>
             <a:endParaRPr lang="de-DE" noProof="0" dirty="0"/>
@@ -4699,7 +4666,7 @@
               <a:pPr>
                 <a:defRPr/>
               </a:pPr>
-              <a:t>20.07.2018</a:t>
+              <a:t>29.07.2018</a:t>
             </a:fld>
             <a:endParaRPr lang="de-DE" dirty="0"/>
           </a:p>
@@ -4871,7 +4838,7 @@
           </a:lstStyle>
           <a:p>
             <a:r>
-              <a:rPr lang="de-DE" smtClean="0"/>
+              <a:rPr lang="de-DE"/>
               <a:t>Titelmasterformat durch Klicken bearbeiten</a:t>
             </a:r>
             <a:endParaRPr lang="de-DE" dirty="0"/>
@@ -4888,13 +4855,6 @@
   <p:clrMapOvr>
     <a:masterClrMapping/>
   </p:clrMapOvr>
-  <p:timing>
-    <p:tnLst>
-      <p:par>
-        <p:cTn id="1" dur="indefinite" restart="never" nodeType="tmRoot"/>
-      </p:par>
-    </p:tnLst>
-  </p:timing>
 </p:sldLayout>
 </file>
 
@@ -4948,7 +4908,7 @@
           <a:p>
             <a:pPr lvl="0"/>
             <a:r>
-              <a:rPr lang="de-DE" noProof="0" smtClean="0"/>
+              <a:rPr lang="de-DE" noProof="0"/>
               <a:t>Bild durch Klicken auf Symbol hinzufügen</a:t>
             </a:r>
             <a:endParaRPr lang="de-DE" noProof="0" dirty="0"/>
@@ -4989,7 +4949,7 @@
           <a:p>
             <a:pPr lvl="0"/>
             <a:r>
-              <a:rPr lang="de-DE" smtClean="0"/>
+              <a:rPr lang="de-DE"/>
               <a:t>Textmasterformat bearbeiten</a:t>
             </a:r>
           </a:p>
@@ -5029,7 +4989,7 @@
           <a:p>
             <a:pPr lvl="0"/>
             <a:r>
-              <a:rPr lang="de-DE" smtClean="0"/>
+              <a:rPr lang="de-DE"/>
               <a:t>Textmasterformat bearbeiten</a:t>
             </a:r>
           </a:p>
@@ -5068,7 +5028,7 @@
           <a:p>
             <a:pPr lvl="0"/>
             <a:r>
-              <a:rPr lang="de-DE" noProof="0" smtClean="0"/>
+              <a:rPr lang="de-DE" noProof="0"/>
               <a:t>Bild durch Klicken auf Symbol hinzufügen</a:t>
             </a:r>
             <a:endParaRPr lang="de-DE" noProof="0" dirty="0"/>
@@ -5107,7 +5067,7 @@
               <a:pPr>
                 <a:defRPr/>
               </a:pPr>
-              <a:t>20.07.2018</a:t>
+              <a:t>29.07.2018</a:t>
             </a:fld>
             <a:endParaRPr lang="de-DE" dirty="0"/>
           </a:p>
@@ -5279,7 +5239,7 @@
           </a:lstStyle>
           <a:p>
             <a:r>
-              <a:rPr lang="de-DE" smtClean="0"/>
+              <a:rPr lang="de-DE"/>
               <a:t>Titelmasterformat durch Klicken bearbeiten</a:t>
             </a:r>
             <a:endParaRPr lang="de-DE" dirty="0"/>
@@ -5296,13 +5256,6 @@
   <p:clrMapOvr>
     <a:masterClrMapping/>
   </p:clrMapOvr>
-  <p:timing>
-    <p:tnLst>
-      <p:par>
-        <p:cTn id="1" dur="indefinite" restart="never" nodeType="tmRoot"/>
-      </p:par>
-    </p:tnLst>
-  </p:timing>
 </p:sldLayout>
 </file>
 
@@ -5356,7 +5309,7 @@
           <a:p>
             <a:pPr lvl="0"/>
             <a:r>
-              <a:rPr lang="de-DE" noProof="0" smtClean="0"/>
+              <a:rPr lang="de-DE" noProof="0"/>
               <a:t>Bild durch Klicken auf Symbol hinzufügen</a:t>
             </a:r>
             <a:endParaRPr lang="de-DE" noProof="0" dirty="0"/>
@@ -5396,7 +5349,7 @@
           <a:p>
             <a:pPr lvl="0"/>
             <a:r>
-              <a:rPr lang="de-DE" noProof="0" smtClean="0"/>
+              <a:rPr lang="de-DE" noProof="0"/>
               <a:t>Bild durch Klicken auf Symbol hinzufügen</a:t>
             </a:r>
             <a:endParaRPr lang="de-DE" noProof="0" dirty="0"/>
@@ -5436,7 +5389,7 @@
           <a:p>
             <a:pPr lvl="0"/>
             <a:r>
-              <a:rPr lang="de-DE" noProof="0" smtClean="0"/>
+              <a:rPr lang="de-DE" noProof="0"/>
               <a:t>Bild durch Klicken auf Symbol hinzufügen</a:t>
             </a:r>
             <a:endParaRPr lang="de-DE" noProof="0" dirty="0"/>
@@ -5475,7 +5428,7 @@
               <a:pPr>
                 <a:defRPr/>
               </a:pPr>
-              <a:t>20.07.2018</a:t>
+              <a:t>29.07.2018</a:t>
             </a:fld>
             <a:endParaRPr lang="de-DE" dirty="0"/>
           </a:p>
@@ -5647,7 +5600,7 @@
           </a:lstStyle>
           <a:p>
             <a:r>
-              <a:rPr lang="de-DE" smtClean="0"/>
+              <a:rPr lang="de-DE"/>
               <a:t>Titelmasterformat durch Klicken bearbeiten</a:t>
             </a:r>
             <a:endParaRPr lang="de-DE" dirty="0"/>
@@ -5664,13 +5617,6 @@
   <p:clrMapOvr>
     <a:masterClrMapping/>
   </p:clrMapOvr>
-  <p:timing>
-    <p:tnLst>
-      <p:par>
-        <p:cTn id="1" dur="indefinite" restart="never" nodeType="tmRoot"/>
-      </p:par>
-    </p:tnLst>
-  </p:timing>
 </p:sldLayout>
 </file>
 
@@ -5738,7 +5684,7 @@
               <a:pPr>
                 <a:defRPr/>
               </a:pPr>
-              <a:t>20.07.2018</a:t>
+              <a:t>29.07.2018</a:t>
             </a:fld>
             <a:endParaRPr lang="de-DE" dirty="0"/>
           </a:p>
@@ -5853,10 +5799,9 @@
           <a:lstStyle/>
           <a:p>
             <a:r>
-              <a:rPr lang="de-DE" smtClean="0"/>
+              <a:rPr lang="de-DE"/>
               <a:t>Titelmasterformat durch Klicken bearbeiten</a:t>
             </a:r>
-            <a:endParaRPr lang="de-DE"/>
           </a:p>
         </p:txBody>
       </p:sp>
@@ -5875,13 +5820,6 @@
     <p:sldLayoutId id="2147483773" r:id="rId9"/>
     <p:sldLayoutId id="2147483774" r:id="rId10"/>
   </p:sldLayoutIdLst>
-  <p:timing>
-    <p:tnLst>
-      <p:par>
-        <p:cTn id="1" dur="indefinite" restart="never" nodeType="tmRoot"/>
-      </p:par>
-    </p:tnLst>
-  </p:timing>
   <p:hf hdr="0"/>
   <p:txStyles>
     <p:titleStyle>
@@ -6391,7 +6329,7 @@
               </a:spcBef>
             </a:pPr>
             <a:r>
-              <a:rPr lang="de-DE" altLang="de-DE" dirty="0" smtClean="0"/>
+              <a:rPr lang="de-DE" altLang="de-DE" dirty="0"/>
               <a:t>Darstellung der Topologie eines industriellen Kommunikationsnetzwerks</a:t>
             </a:r>
           </a:p>
@@ -6401,7 +6339,7 @@
                 <a:spcPct val="0"/>
               </a:spcBef>
             </a:pPr>
-            <a:endParaRPr lang="de-DE" altLang="de-DE" dirty="0" smtClean="0"/>
+            <a:endParaRPr lang="de-DE" altLang="de-DE" dirty="0"/>
           </a:p>
           <a:p>
             <a:pPr algn="ctr">
@@ -6410,7 +6348,7 @@
               </a:spcBef>
             </a:pPr>
             <a:r>
-              <a:rPr lang="de-DE" altLang="de-DE" sz="1800" dirty="0" smtClean="0"/>
+              <a:rPr lang="de-DE" altLang="de-DE" sz="1800" dirty="0"/>
               <a:t>Master-Abschlussarbeit</a:t>
             </a:r>
           </a:p>
@@ -6421,7 +6359,7 @@
               </a:spcBef>
             </a:pPr>
             <a:r>
-              <a:rPr lang="de-DE" altLang="de-DE" sz="1800" dirty="0" smtClean="0"/>
+              <a:rPr lang="de-DE" altLang="de-DE" sz="1800" dirty="0"/>
               <a:t>von</a:t>
             </a:r>
           </a:p>
@@ -6432,14 +6370,14 @@
               </a:spcBef>
             </a:pPr>
             <a:r>
-              <a:rPr lang="de-DE" altLang="de-DE" sz="1800" dirty="0" smtClean="0"/>
+              <a:rPr lang="de-DE" altLang="de-DE" sz="1800" dirty="0"/>
               <a:t>Ghislain </a:t>
             </a:r>
             <a:r>
-              <a:rPr lang="de-DE" altLang="de-DE" sz="1800" dirty="0" err="1" smtClean="0"/>
+              <a:rPr lang="de-DE" altLang="de-DE" sz="1800" dirty="0" err="1"/>
               <a:t>Zeleu</a:t>
             </a:r>
-            <a:endParaRPr lang="de-DE" altLang="de-DE" sz="1800" dirty="0" smtClean="0"/>
+            <a:endParaRPr lang="de-DE" altLang="de-DE" sz="1800" dirty="0"/>
           </a:p>
           <a:p>
             <a:pPr>
@@ -6447,7 +6385,7 @@
                 <a:spcPct val="0"/>
               </a:spcBef>
             </a:pPr>
-            <a:endParaRPr lang="de-DE" altLang="de-DE" dirty="0" smtClean="0"/>
+            <a:endParaRPr lang="de-DE" altLang="de-DE" dirty="0"/>
           </a:p>
         </p:txBody>
       </p:sp>
@@ -6456,13 +6394,6 @@
   <p:clrMapOvr>
     <a:masterClrMapping/>
   </p:clrMapOvr>
-  <p:timing>
-    <p:tnLst>
-      <p:par>
-        <p:cTn id="1" dur="indefinite" restart="never" nodeType="tmRoot"/>
-      </p:par>
-    </p:tnLst>
-  </p:timing>
 </p:sld>
 </file>
 
@@ -6499,7 +6430,7 @@
           <a:lstStyle/>
           <a:p>
             <a:r>
-              <a:rPr lang="de-DE" dirty="0" smtClean="0">
+              <a:rPr lang="de-DE" dirty="0">
                 <a:solidFill>
                   <a:schemeClr val="bg1">
                     <a:lumMod val="50000"/>
@@ -6512,7 +6443,7 @@
           <a:p>
             <a:pPr lvl="1"/>
             <a:r>
-              <a:rPr lang="de-DE" sz="2000" dirty="0" smtClean="0">
+              <a:rPr lang="de-DE" sz="2000" dirty="0">
                 <a:solidFill>
                   <a:schemeClr val="bg1">
                     <a:lumMod val="50000"/>
@@ -6525,7 +6456,7 @@
           <a:p>
             <a:pPr lvl="1"/>
             <a:r>
-              <a:rPr lang="de-DE" dirty="0" smtClean="0">
+              <a:rPr lang="de-DE" dirty="0">
                 <a:solidFill>
                   <a:schemeClr val="bg1">
                     <a:lumMod val="50000"/>
@@ -6537,7 +6468,7 @@
           </a:p>
           <a:p>
             <a:r>
-              <a:rPr lang="de-DE" dirty="0" smtClean="0">
+              <a:rPr lang="de-DE" dirty="0">
                 <a:solidFill>
                   <a:schemeClr val="bg1">
                     <a:lumMod val="50000"/>
@@ -6550,7 +6481,7 @@
           <a:p>
             <a:pPr lvl="1"/>
             <a:r>
-              <a:rPr lang="de-DE" dirty="0" smtClean="0">
+              <a:rPr lang="de-DE" dirty="0">
                 <a:solidFill>
                   <a:schemeClr val="bg1">
                     <a:lumMod val="50000"/>
@@ -6563,7 +6494,7 @@
           <a:p>
             <a:pPr lvl="1"/>
             <a:r>
-              <a:rPr lang="de-DE" dirty="0" err="1" smtClean="0">
+              <a:rPr lang="de-DE" dirty="0" err="1">
                 <a:solidFill>
                   <a:schemeClr val="bg1">
                     <a:lumMod val="50000"/>
@@ -6572,7 +6503,7 @@
               </a:rPr>
               <a:t>Topologiemuster</a:t>
             </a:r>
-            <a:endParaRPr lang="de-DE" dirty="0" smtClean="0">
+            <a:endParaRPr lang="de-DE" dirty="0">
               <a:solidFill>
                 <a:schemeClr val="bg1">
                   <a:lumMod val="50000"/>
@@ -6583,7 +6514,7 @@
           <a:p>
             <a:pPr lvl="1"/>
             <a:r>
-              <a:rPr lang="de-DE" dirty="0" smtClean="0">
+              <a:rPr lang="de-DE" dirty="0">
                 <a:solidFill>
                   <a:schemeClr val="bg1">
                     <a:lumMod val="50000"/>
@@ -6595,7 +6526,7 @@
           </a:p>
           <a:p>
             <a:r>
-              <a:rPr lang="de-DE" dirty="0" smtClean="0">
+              <a:rPr lang="de-DE" dirty="0">
                 <a:solidFill>
                   <a:schemeClr val="bg1">
                     <a:lumMod val="50000"/>
@@ -6608,7 +6539,7 @@
           <a:p>
             <a:pPr lvl="1"/>
             <a:r>
-              <a:rPr lang="de-DE" dirty="0" smtClean="0">
+              <a:rPr lang="de-DE" dirty="0">
                 <a:solidFill>
                   <a:schemeClr val="bg1">
                     <a:lumMod val="50000"/>
@@ -6621,7 +6552,7 @@
           <a:p>
             <a:pPr lvl="1"/>
             <a:r>
-              <a:rPr lang="de-DE" dirty="0" smtClean="0">
+              <a:rPr lang="de-DE" dirty="0">
                 <a:solidFill>
                   <a:schemeClr val="bg1">
                     <a:lumMod val="50000"/>
@@ -6633,27 +6564,27 @@
           </a:p>
           <a:p>
             <a:r>
-              <a:rPr lang="de-DE" b="1" dirty="0" smtClean="0"/>
+              <a:rPr lang="de-DE" b="1" dirty="0"/>
               <a:t>Evaluation der JavaScript-Frameworks(erstes Ergebnis)</a:t>
             </a:r>
           </a:p>
           <a:p>
             <a:r>
-              <a:rPr lang="de-DE" dirty="0" smtClean="0"/>
+              <a:rPr lang="de-DE" dirty="0"/>
               <a:t>Konzepte der </a:t>
             </a:r>
             <a:r>
-              <a:rPr lang="de-DE" dirty="0" err="1" smtClean="0"/>
+              <a:rPr lang="de-DE" dirty="0" err="1"/>
               <a:t>Topology</a:t>
             </a:r>
             <a:r>
-              <a:rPr lang="de-DE" dirty="0" smtClean="0"/>
+              <a:rPr lang="de-DE" dirty="0"/>
               <a:t>-Editor (zweites Ergebnis)</a:t>
             </a:r>
           </a:p>
           <a:p>
             <a:r>
-              <a:rPr lang="de-DE" dirty="0" smtClean="0"/>
+              <a:rPr lang="de-DE" dirty="0"/>
               <a:t>Prototype Implementierung(drittes Ergebnis)</a:t>
             </a:r>
           </a:p>
@@ -6662,13 +6593,12 @@
               <a:rPr lang="de-DE" dirty="0"/>
               <a:t>Fortsetzungsmöglichkeiten</a:t>
             </a:r>
-            <a:endParaRPr lang="de-DE" dirty="0" smtClean="0"/>
-          </a:p>
-          <a:p>
-            <a:endParaRPr lang="de-DE" dirty="0" smtClean="0"/>
-          </a:p>
-          <a:p>
-            <a:endParaRPr lang="de-DE" dirty="0" smtClean="0"/>
+          </a:p>
+          <a:p>
+            <a:endParaRPr lang="de-DE" dirty="0"/>
+          </a:p>
+          <a:p>
+            <a:endParaRPr lang="de-DE" dirty="0"/>
           </a:p>
           <a:p>
             <a:endParaRPr lang="de-DE" dirty="0"/>
@@ -6698,7 +6628,7 @@
               <a:pPr>
                 <a:defRPr/>
               </a:pPr>
-              <a:t>20.07.2018</a:t>
+              <a:t>29.07.2018</a:t>
             </a:fld>
             <a:endParaRPr lang="de-DE" dirty="0"/>
           </a:p>
@@ -6771,10 +6701,9 @@
           <a:lstStyle/>
           <a:p>
             <a:r>
-              <a:rPr lang="de-DE" dirty="0" smtClean="0"/>
+              <a:rPr lang="de-DE" dirty="0"/>
               <a:t>Agenda</a:t>
             </a:r>
-            <a:endParaRPr lang="de-DE" dirty="0"/>
           </a:p>
         </p:txBody>
       </p:sp>
@@ -6788,13 +6717,6 @@
   <p:clrMapOvr>
     <a:masterClrMapping/>
   </p:clrMapOvr>
-  <p:timing>
-    <p:tnLst>
-      <p:par>
-        <p:cTn id="1" dur="indefinite" restart="never" nodeType="tmRoot"/>
-      </p:par>
-    </p:tnLst>
-  </p:timing>
 </p:sld>
 </file>
 
@@ -6831,11 +6753,11 @@
           <a:lstStyle/>
           <a:p>
             <a:r>
-              <a:rPr lang="de-DE" dirty="0" smtClean="0"/>
+              <a:rPr lang="de-DE" dirty="0"/>
               <a:t>Angular &amp; </a:t>
             </a:r>
             <a:r>
-              <a:rPr lang="de-DE" dirty="0" err="1" smtClean="0"/>
+              <a:rPr lang="de-DE" dirty="0" err="1"/>
               <a:t>GoJS</a:t>
             </a:r>
             <a:endParaRPr lang="de-DE" dirty="0"/>
@@ -6865,7 +6787,7 @@
               <a:pPr>
                 <a:defRPr/>
               </a:pPr>
-              <a:t>20.07.2018</a:t>
+              <a:t>29.07.2018</a:t>
             </a:fld>
             <a:endParaRPr lang="de-DE" dirty="0"/>
           </a:p>
@@ -6941,15 +6863,7 @@
           <a:p>
             <a:r>
               <a:rPr lang="de-DE" b="1" dirty="0"/>
-              <a:t>Evaluation der </a:t>
-            </a:r>
-            <a:r>
-              <a:rPr lang="de-DE" b="1" dirty="0" smtClean="0"/>
-              <a:t>JavaScript-Frameworks</a:t>
-            </a:r>
-            <a:r>
-              <a:rPr lang="de-DE" b="1" dirty="0"/>
-              <a:t/>
+              <a:t>Evaluation der JavaScript-Frameworks</a:t>
             </a:r>
             <a:br>
               <a:rPr lang="de-DE" b="1" dirty="0"/>
@@ -7004,7 +6918,7 @@
           <a:lstStyle/>
           <a:p>
             <a:r>
-              <a:rPr lang="de-DE" dirty="0" smtClean="0">
+              <a:rPr lang="de-DE" dirty="0">
                 <a:solidFill>
                   <a:schemeClr val="bg1">
                     <a:lumMod val="50000"/>
@@ -7017,7 +6931,7 @@
           <a:p>
             <a:pPr lvl="1"/>
             <a:r>
-              <a:rPr lang="de-DE" sz="2000" dirty="0" smtClean="0">
+              <a:rPr lang="de-DE" sz="2000" dirty="0">
                 <a:solidFill>
                   <a:schemeClr val="bg1">
                     <a:lumMod val="50000"/>
@@ -7030,7 +6944,7 @@
           <a:p>
             <a:pPr lvl="1"/>
             <a:r>
-              <a:rPr lang="de-DE" dirty="0" smtClean="0">
+              <a:rPr lang="de-DE" dirty="0">
                 <a:solidFill>
                   <a:schemeClr val="bg1">
                     <a:lumMod val="50000"/>
@@ -7042,7 +6956,7 @@
           </a:p>
           <a:p>
             <a:r>
-              <a:rPr lang="de-DE" dirty="0" smtClean="0">
+              <a:rPr lang="de-DE" dirty="0">
                 <a:solidFill>
                   <a:schemeClr val="bg1">
                     <a:lumMod val="50000"/>
@@ -7055,7 +6969,7 @@
           <a:p>
             <a:pPr lvl="1"/>
             <a:r>
-              <a:rPr lang="de-DE" dirty="0" smtClean="0">
+              <a:rPr lang="de-DE" dirty="0">
                 <a:solidFill>
                   <a:schemeClr val="bg1">
                     <a:lumMod val="50000"/>
@@ -7068,7 +6982,7 @@
           <a:p>
             <a:pPr lvl="1"/>
             <a:r>
-              <a:rPr lang="de-DE" dirty="0" err="1" smtClean="0">
+              <a:rPr lang="de-DE" dirty="0" err="1">
                 <a:solidFill>
                   <a:schemeClr val="bg1">
                     <a:lumMod val="50000"/>
@@ -7077,7 +6991,7 @@
               </a:rPr>
               <a:t>Topologiemuster</a:t>
             </a:r>
-            <a:endParaRPr lang="de-DE" dirty="0" smtClean="0">
+            <a:endParaRPr lang="de-DE" dirty="0">
               <a:solidFill>
                 <a:schemeClr val="bg1">
                   <a:lumMod val="50000"/>
@@ -7088,7 +7002,7 @@
           <a:p>
             <a:pPr lvl="1"/>
             <a:r>
-              <a:rPr lang="de-DE" dirty="0" smtClean="0">
+              <a:rPr lang="de-DE" dirty="0">
                 <a:solidFill>
                   <a:schemeClr val="bg1">
                     <a:lumMod val="50000"/>
@@ -7100,7 +7014,7 @@
           </a:p>
           <a:p>
             <a:r>
-              <a:rPr lang="de-DE" dirty="0" smtClean="0">
+              <a:rPr lang="de-DE" dirty="0">
                 <a:solidFill>
                   <a:schemeClr val="bg1">
                     <a:lumMod val="50000"/>
@@ -7113,7 +7027,7 @@
           <a:p>
             <a:pPr lvl="1"/>
             <a:r>
-              <a:rPr lang="de-DE" dirty="0" smtClean="0">
+              <a:rPr lang="de-DE" dirty="0">
                 <a:solidFill>
                   <a:schemeClr val="bg1">
                     <a:lumMod val="50000"/>
@@ -7126,7 +7040,7 @@
           <a:p>
             <a:pPr lvl="1"/>
             <a:r>
-              <a:rPr lang="de-DE" dirty="0" smtClean="0">
+              <a:rPr lang="de-DE" dirty="0">
                 <a:solidFill>
                   <a:schemeClr val="bg1">
                     <a:lumMod val="50000"/>
@@ -7138,7 +7052,7 @@
           </a:p>
           <a:p>
             <a:r>
-              <a:rPr lang="de-DE" dirty="0" smtClean="0">
+              <a:rPr lang="de-DE" dirty="0">
                 <a:solidFill>
                   <a:schemeClr val="bg1">
                     <a:lumMod val="50000"/>
@@ -7150,21 +7064,21 @@
           </a:p>
           <a:p>
             <a:r>
-              <a:rPr lang="de-DE" b="1" dirty="0" smtClean="0"/>
+              <a:rPr lang="de-DE" b="1" dirty="0"/>
               <a:t>Konzepte der </a:t>
             </a:r>
             <a:r>
-              <a:rPr lang="de-DE" b="1" dirty="0" err="1" smtClean="0"/>
+              <a:rPr lang="de-DE" b="1" dirty="0" err="1"/>
               <a:t>Topology</a:t>
             </a:r>
             <a:r>
-              <a:rPr lang="de-DE" b="1" dirty="0" smtClean="0"/>
+              <a:rPr lang="de-DE" b="1" dirty="0"/>
               <a:t>-Editor (zweites Ergebnis)</a:t>
             </a:r>
           </a:p>
           <a:p>
             <a:r>
-              <a:rPr lang="de-DE" dirty="0" smtClean="0">
+              <a:rPr lang="de-DE" dirty="0">
                 <a:solidFill>
                   <a:schemeClr val="bg1">
                     <a:lumMod val="50000"/>
@@ -7186,20 +7100,12 @@
               </a:rPr>
               <a:t>Fortsetzungsmöglichkeiten</a:t>
             </a:r>
-            <a:endParaRPr lang="de-DE" dirty="0" smtClean="0">
-              <a:solidFill>
-                <a:schemeClr val="tx2">
-                  <a:lumMod val="50000"/>
-                  <a:lumOff val="50000"/>
-                </a:schemeClr>
-              </a:solidFill>
-            </a:endParaRPr>
-          </a:p>
-          <a:p>
-            <a:endParaRPr lang="de-DE" dirty="0" smtClean="0"/>
-          </a:p>
-          <a:p>
-            <a:endParaRPr lang="de-DE" dirty="0" smtClean="0"/>
+          </a:p>
+          <a:p>
+            <a:endParaRPr lang="de-DE" dirty="0"/>
+          </a:p>
+          <a:p>
+            <a:endParaRPr lang="de-DE" dirty="0"/>
           </a:p>
           <a:p>
             <a:endParaRPr lang="de-DE" dirty="0"/>
@@ -7229,7 +7135,7 @@
               <a:pPr>
                 <a:defRPr/>
               </a:pPr>
-              <a:t>20.07.2018</a:t>
+              <a:t>29.07.2018</a:t>
             </a:fld>
             <a:endParaRPr lang="de-DE" dirty="0"/>
           </a:p>
@@ -7302,10 +7208,9 @@
           <a:lstStyle/>
           <a:p>
             <a:r>
-              <a:rPr lang="de-DE" dirty="0" smtClean="0"/>
+              <a:rPr lang="de-DE" dirty="0"/>
               <a:t>Agenda</a:t>
             </a:r>
-            <a:endParaRPr lang="de-DE" dirty="0"/>
           </a:p>
         </p:txBody>
       </p:sp>
@@ -7319,13 +7224,6 @@
   <p:clrMapOvr>
     <a:masterClrMapping/>
   </p:clrMapOvr>
-  <p:timing>
-    <p:tnLst>
-      <p:par>
-        <p:cTn id="1" dur="indefinite" restart="never" nodeType="tmRoot"/>
-      </p:par>
-    </p:tnLst>
-  </p:timing>
 </p:sld>
 </file>
 
@@ -7362,7 +7260,7 @@
           <a:lstStyle/>
           <a:p>
             <a:r>
-              <a:rPr lang="de-DE" dirty="0" smtClean="0">
+              <a:rPr lang="de-DE" dirty="0">
                 <a:solidFill>
                   <a:schemeClr val="bg1">
                     <a:lumMod val="50000"/>
@@ -7375,7 +7273,7 @@
           <a:p>
             <a:pPr lvl="1"/>
             <a:r>
-              <a:rPr lang="de-DE" sz="2000" dirty="0" smtClean="0">
+              <a:rPr lang="de-DE" sz="2000" dirty="0">
                 <a:solidFill>
                   <a:schemeClr val="bg1">
                     <a:lumMod val="50000"/>
@@ -7388,7 +7286,7 @@
           <a:p>
             <a:pPr lvl="1"/>
             <a:r>
-              <a:rPr lang="de-DE" dirty="0" smtClean="0">
+              <a:rPr lang="de-DE" dirty="0">
                 <a:solidFill>
                   <a:schemeClr val="bg1">
                     <a:lumMod val="50000"/>
@@ -7400,7 +7298,7 @@
           </a:p>
           <a:p>
             <a:r>
-              <a:rPr lang="de-DE" dirty="0" smtClean="0">
+              <a:rPr lang="de-DE" dirty="0">
                 <a:solidFill>
                   <a:schemeClr val="bg1">
                     <a:lumMod val="50000"/>
@@ -7413,7 +7311,7 @@
           <a:p>
             <a:pPr lvl="1"/>
             <a:r>
-              <a:rPr lang="de-DE" dirty="0" smtClean="0">
+              <a:rPr lang="de-DE" dirty="0">
                 <a:solidFill>
                   <a:schemeClr val="bg1">
                     <a:lumMod val="50000"/>
@@ -7426,7 +7324,7 @@
           <a:p>
             <a:pPr lvl="1"/>
             <a:r>
-              <a:rPr lang="de-DE" dirty="0" err="1" smtClean="0">
+              <a:rPr lang="de-DE" dirty="0" err="1">
                 <a:solidFill>
                   <a:schemeClr val="bg1">
                     <a:lumMod val="50000"/>
@@ -7435,7 +7333,7 @@
               </a:rPr>
               <a:t>Topologiemuster</a:t>
             </a:r>
-            <a:endParaRPr lang="de-DE" dirty="0" smtClean="0">
+            <a:endParaRPr lang="de-DE" dirty="0">
               <a:solidFill>
                 <a:schemeClr val="bg1">
                   <a:lumMod val="50000"/>
@@ -7446,7 +7344,7 @@
           <a:p>
             <a:pPr lvl="1"/>
             <a:r>
-              <a:rPr lang="de-DE" dirty="0" smtClean="0">
+              <a:rPr lang="de-DE" dirty="0">
                 <a:solidFill>
                   <a:schemeClr val="bg1">
                     <a:lumMod val="50000"/>
@@ -7458,7 +7356,7 @@
           </a:p>
           <a:p>
             <a:r>
-              <a:rPr lang="de-DE" dirty="0" smtClean="0">
+              <a:rPr lang="de-DE" dirty="0">
                 <a:solidFill>
                   <a:schemeClr val="bg1">
                     <a:lumMod val="50000"/>
@@ -7471,7 +7369,7 @@
           <a:p>
             <a:pPr lvl="1"/>
             <a:r>
-              <a:rPr lang="de-DE" dirty="0" smtClean="0">
+              <a:rPr lang="de-DE" dirty="0">
                 <a:solidFill>
                   <a:schemeClr val="bg1">
                     <a:lumMod val="50000"/>
@@ -7484,7 +7382,7 @@
           <a:p>
             <a:pPr lvl="1"/>
             <a:r>
-              <a:rPr lang="de-DE" dirty="0" smtClean="0">
+              <a:rPr lang="de-DE" dirty="0">
                 <a:solidFill>
                   <a:schemeClr val="bg1">
                     <a:lumMod val="50000"/>
@@ -7496,7 +7394,7 @@
           </a:p>
           <a:p>
             <a:r>
-              <a:rPr lang="de-DE" dirty="0" smtClean="0">
+              <a:rPr lang="de-DE" dirty="0">
                 <a:solidFill>
                   <a:schemeClr val="bg1">
                     <a:lumMod val="50000"/>
@@ -7508,7 +7406,7 @@
           </a:p>
           <a:p>
             <a:r>
-              <a:rPr lang="de-DE" dirty="0" smtClean="0">
+              <a:rPr lang="de-DE" dirty="0">
                 <a:solidFill>
                   <a:schemeClr val="bg1">
                     <a:lumMod val="50000"/>
@@ -7518,7 +7416,7 @@
               <a:t>Konzepte der </a:t>
             </a:r>
             <a:r>
-              <a:rPr lang="de-DE" dirty="0" err="1" smtClean="0">
+              <a:rPr lang="de-DE" dirty="0" err="1">
                 <a:solidFill>
                   <a:schemeClr val="bg1">
                     <a:lumMod val="50000"/>
@@ -7528,7 +7426,7 @@
               <a:t>Topology</a:t>
             </a:r>
             <a:r>
-              <a:rPr lang="de-DE" dirty="0" smtClean="0">
+              <a:rPr lang="de-DE" dirty="0">
                 <a:solidFill>
                   <a:schemeClr val="bg1">
                     <a:lumMod val="50000"/>
@@ -7540,7 +7438,7 @@
           </a:p>
           <a:p>
             <a:r>
-              <a:rPr lang="de-DE" b="1" dirty="0" smtClean="0"/>
+              <a:rPr lang="de-DE" b="1" dirty="0"/>
               <a:t>Prototype Implementierung(drittes Ergebnis)</a:t>
             </a:r>
           </a:p>
@@ -7556,20 +7454,12 @@
               </a:rPr>
               <a:t>Fortsetzungsmöglichkeiten</a:t>
             </a:r>
-            <a:endParaRPr lang="de-DE" dirty="0" smtClean="0">
-              <a:solidFill>
-                <a:schemeClr val="tx2">
-                  <a:lumMod val="50000"/>
-                  <a:lumOff val="50000"/>
-                </a:schemeClr>
-              </a:solidFill>
-            </a:endParaRPr>
-          </a:p>
-          <a:p>
-            <a:endParaRPr lang="de-DE" dirty="0" smtClean="0"/>
-          </a:p>
-          <a:p>
-            <a:endParaRPr lang="de-DE" dirty="0" smtClean="0"/>
+          </a:p>
+          <a:p>
+            <a:endParaRPr lang="de-DE" dirty="0"/>
+          </a:p>
+          <a:p>
+            <a:endParaRPr lang="de-DE" dirty="0"/>
           </a:p>
           <a:p>
             <a:endParaRPr lang="de-DE" dirty="0"/>
@@ -7599,7 +7489,7 @@
               <a:pPr>
                 <a:defRPr/>
               </a:pPr>
-              <a:t>20.07.2018</a:t>
+              <a:t>29.07.2018</a:t>
             </a:fld>
             <a:endParaRPr lang="de-DE" dirty="0"/>
           </a:p>
@@ -7672,10 +7562,9 @@
           <a:lstStyle/>
           <a:p>
             <a:r>
-              <a:rPr lang="de-DE" dirty="0" smtClean="0"/>
+              <a:rPr lang="de-DE" dirty="0"/>
               <a:t>Agenda</a:t>
             </a:r>
-            <a:endParaRPr lang="de-DE" dirty="0"/>
           </a:p>
         </p:txBody>
       </p:sp>
@@ -7689,13 +7578,6 @@
   <p:clrMapOvr>
     <a:masterClrMapping/>
   </p:clrMapOvr>
-  <p:timing>
-    <p:tnLst>
-      <p:par>
-        <p:cTn id="1" dur="indefinite" restart="never" nodeType="tmRoot"/>
-      </p:par>
-    </p:tnLst>
-  </p:timing>
 </p:sld>
 </file>
 
@@ -7732,7 +7614,7 @@
           <a:lstStyle/>
           <a:p>
             <a:r>
-              <a:rPr lang="de-DE" dirty="0" smtClean="0">
+              <a:rPr lang="de-DE" dirty="0">
                 <a:solidFill>
                   <a:schemeClr val="bg1">
                     <a:lumMod val="50000"/>
@@ -7745,7 +7627,7 @@
           <a:p>
             <a:pPr lvl="1"/>
             <a:r>
-              <a:rPr lang="de-DE" sz="2000" dirty="0" smtClean="0">
+              <a:rPr lang="de-DE" sz="2000" dirty="0">
                 <a:solidFill>
                   <a:schemeClr val="bg1">
                     <a:lumMod val="50000"/>
@@ -7758,7 +7640,7 @@
           <a:p>
             <a:pPr lvl="1"/>
             <a:r>
-              <a:rPr lang="de-DE" dirty="0" smtClean="0">
+              <a:rPr lang="de-DE" dirty="0">
                 <a:solidFill>
                   <a:schemeClr val="bg1">
                     <a:lumMod val="50000"/>
@@ -7770,7 +7652,7 @@
           </a:p>
           <a:p>
             <a:r>
-              <a:rPr lang="de-DE" dirty="0" smtClean="0">
+              <a:rPr lang="de-DE" dirty="0">
                 <a:solidFill>
                   <a:schemeClr val="bg1">
                     <a:lumMod val="50000"/>
@@ -7783,7 +7665,7 @@
           <a:p>
             <a:pPr lvl="1"/>
             <a:r>
-              <a:rPr lang="de-DE" dirty="0" smtClean="0">
+              <a:rPr lang="de-DE" dirty="0">
                 <a:solidFill>
                   <a:schemeClr val="bg1">
                     <a:lumMod val="50000"/>
@@ -7796,7 +7678,7 @@
           <a:p>
             <a:pPr lvl="1"/>
             <a:r>
-              <a:rPr lang="de-DE" dirty="0" err="1" smtClean="0">
+              <a:rPr lang="de-DE" dirty="0" err="1">
                 <a:solidFill>
                   <a:schemeClr val="bg1">
                     <a:lumMod val="50000"/>
@@ -7805,7 +7687,7 @@
               </a:rPr>
               <a:t>Topologiemuster</a:t>
             </a:r>
-            <a:endParaRPr lang="de-DE" dirty="0" smtClean="0">
+            <a:endParaRPr lang="de-DE" dirty="0">
               <a:solidFill>
                 <a:schemeClr val="bg1">
                   <a:lumMod val="50000"/>
@@ -7816,7 +7698,7 @@
           <a:p>
             <a:pPr lvl="1"/>
             <a:r>
-              <a:rPr lang="de-DE" dirty="0" smtClean="0">
+              <a:rPr lang="de-DE" dirty="0">
                 <a:solidFill>
                   <a:schemeClr val="bg1">
                     <a:lumMod val="50000"/>
@@ -7828,7 +7710,7 @@
           </a:p>
           <a:p>
             <a:r>
-              <a:rPr lang="de-DE" dirty="0" smtClean="0">
+              <a:rPr lang="de-DE" dirty="0">
                 <a:solidFill>
                   <a:schemeClr val="bg1">
                     <a:lumMod val="50000"/>
@@ -7841,7 +7723,7 @@
           <a:p>
             <a:pPr lvl="1"/>
             <a:r>
-              <a:rPr lang="de-DE" dirty="0" smtClean="0">
+              <a:rPr lang="de-DE" dirty="0">
                 <a:solidFill>
                   <a:schemeClr val="bg1">
                     <a:lumMod val="50000"/>
@@ -7854,7 +7736,7 @@
           <a:p>
             <a:pPr lvl="1"/>
             <a:r>
-              <a:rPr lang="de-DE" dirty="0" smtClean="0">
+              <a:rPr lang="de-DE" dirty="0">
                 <a:solidFill>
                   <a:schemeClr val="bg1">
                     <a:lumMod val="50000"/>
@@ -7866,7 +7748,7 @@
           </a:p>
           <a:p>
             <a:r>
-              <a:rPr lang="de-DE" dirty="0" smtClean="0">
+              <a:rPr lang="de-DE" dirty="0">
                 <a:solidFill>
                   <a:schemeClr val="bg1">
                     <a:lumMod val="50000"/>
@@ -7878,7 +7760,7 @@
           </a:p>
           <a:p>
             <a:r>
-              <a:rPr lang="de-DE" dirty="0" smtClean="0">
+              <a:rPr lang="de-DE" dirty="0">
                 <a:solidFill>
                   <a:schemeClr val="bg1">
                     <a:lumMod val="50000"/>
@@ -7888,7 +7770,7 @@
               <a:t>Konzepte der </a:t>
             </a:r>
             <a:r>
-              <a:rPr lang="de-DE" dirty="0" err="1" smtClean="0">
+              <a:rPr lang="de-DE" dirty="0" err="1">
                 <a:solidFill>
                   <a:schemeClr val="bg1">
                     <a:lumMod val="50000"/>
@@ -7898,7 +7780,7 @@
               <a:t>Topology</a:t>
             </a:r>
             <a:r>
-              <a:rPr lang="de-DE" dirty="0" smtClean="0">
+              <a:rPr lang="de-DE" dirty="0">
                 <a:solidFill>
                   <a:schemeClr val="bg1">
                     <a:lumMod val="50000"/>
@@ -7910,7 +7792,7 @@
           </a:p>
           <a:p>
             <a:r>
-              <a:rPr lang="de-DE" dirty="0" smtClean="0">
+              <a:rPr lang="de-DE" dirty="0">
                 <a:solidFill>
                   <a:schemeClr val="bg1">
                     <a:lumMod val="50000"/>
@@ -7925,13 +7807,12 @@
               <a:rPr lang="de-DE" b="1" dirty="0"/>
               <a:t>Fortsetzungsmöglichkeiten</a:t>
             </a:r>
-            <a:endParaRPr lang="de-DE" b="1" dirty="0" smtClean="0"/>
-          </a:p>
-          <a:p>
-            <a:endParaRPr lang="de-DE" dirty="0" smtClean="0"/>
-          </a:p>
-          <a:p>
-            <a:endParaRPr lang="de-DE" dirty="0" smtClean="0"/>
+          </a:p>
+          <a:p>
+            <a:endParaRPr lang="de-DE" dirty="0"/>
+          </a:p>
+          <a:p>
+            <a:endParaRPr lang="de-DE" dirty="0"/>
           </a:p>
           <a:p>
             <a:endParaRPr lang="de-DE" dirty="0"/>
@@ -7961,7 +7842,7 @@
               <a:pPr>
                 <a:defRPr/>
               </a:pPr>
-              <a:t>20.07.2018</a:t>
+              <a:t>29.07.2018</a:t>
             </a:fld>
             <a:endParaRPr lang="de-DE" dirty="0"/>
           </a:p>
@@ -8034,10 +7915,9 @@
           <a:lstStyle/>
           <a:p>
             <a:r>
-              <a:rPr lang="de-DE" dirty="0" smtClean="0"/>
+              <a:rPr lang="de-DE" dirty="0"/>
               <a:t>Agenda</a:t>
             </a:r>
-            <a:endParaRPr lang="de-DE" dirty="0"/>
           </a:p>
         </p:txBody>
       </p:sp>
@@ -8051,13 +7931,6 @@
   <p:clrMapOvr>
     <a:masterClrMapping/>
   </p:clrMapOvr>
-  <p:timing>
-    <p:tnLst>
-      <p:par>
-        <p:cTn id="1" dur="indefinite" restart="never" nodeType="tmRoot"/>
-      </p:par>
-    </p:tnLst>
-  </p:timing>
 </p:sld>
 </file>
 
@@ -8099,15 +7972,15 @@
               </a:lnSpc>
             </a:pPr>
             <a:r>
-              <a:rPr lang="de-DE" dirty="0" smtClean="0"/>
+              <a:rPr lang="de-DE" dirty="0"/>
               <a:t>Tatsächliche Implementierung des </a:t>
             </a:r>
             <a:r>
-              <a:rPr lang="de-DE" dirty="0" err="1" smtClean="0"/>
+              <a:rPr lang="de-DE" dirty="0" err="1"/>
               <a:t>Topology</a:t>
             </a:r>
             <a:r>
-              <a:rPr lang="de-DE" dirty="0" smtClean="0"/>
+              <a:rPr lang="de-DE" dirty="0"/>
               <a:t>-Editors </a:t>
             </a:r>
           </a:p>
@@ -8118,7 +7991,7 @@
               </a:lnSpc>
             </a:pPr>
             <a:r>
-              <a:rPr lang="de-DE" dirty="0" smtClean="0"/>
+              <a:rPr lang="de-DE" dirty="0"/>
               <a:t>Unterstützung der Echtzeitverhalten</a:t>
             </a:r>
           </a:p>
@@ -8129,7 +8002,7 @@
               </a:lnSpc>
             </a:pPr>
             <a:r>
-              <a:rPr lang="de-DE" dirty="0" smtClean="0"/>
+              <a:rPr lang="de-DE" dirty="0"/>
               <a:t>Hohe Übertragungssicherheit gewährleisten </a:t>
             </a:r>
           </a:p>
@@ -8140,7 +8013,7 @@
               </a:lnSpc>
             </a:pPr>
             <a:r>
-              <a:rPr lang="de-DE" dirty="0" smtClean="0"/>
+              <a:rPr lang="de-DE" dirty="0"/>
               <a:t>Implementierung der Funktion für die logische Topologie</a:t>
             </a:r>
           </a:p>
@@ -8152,13 +8025,8 @@
             </a:pPr>
             <a:r>
               <a:rPr lang="de-DE" dirty="0"/>
-              <a:t>Implementierung der Funktion für </a:t>
-            </a:r>
-            <a:r>
-              <a:rPr lang="de-DE" dirty="0" smtClean="0"/>
-              <a:t>die Darstellung der Submodule</a:t>
-            </a:r>
-            <a:endParaRPr lang="de-DE" dirty="0"/>
+              <a:t>Implementierung der Funktion für die Darstellung der Submodule</a:t>
+            </a:r>
           </a:p>
           <a:p>
             <a:endParaRPr lang="de-DE" dirty="0"/>
@@ -8188,7 +8056,7 @@
               <a:pPr>
                 <a:defRPr/>
               </a:pPr>
-              <a:t>20.07.2018</a:t>
+              <a:t>29.07.2018</a:t>
             </a:fld>
             <a:endParaRPr lang="de-DE" dirty="0"/>
           </a:p>
@@ -8315,7 +8183,7 @@
             <a:pPr marL="0" indent="0" algn="ctr">
               <a:buNone/>
             </a:pPr>
-            <a:endParaRPr lang="de-DE" dirty="0" smtClean="0"/>
+            <a:endParaRPr lang="de-DE" dirty="0"/>
           </a:p>
           <a:p>
             <a:pPr marL="0" indent="0" algn="ctr">
@@ -8328,7 +8196,7 @@
               <a:buNone/>
             </a:pPr>
             <a:r>
-              <a:rPr lang="de-DE" sz="3600" dirty="0" smtClean="0"/>
+              <a:rPr lang="de-DE" sz="3600" dirty="0"/>
               <a:t>Vielen Dank für Ihre Aufmerksamkeit!</a:t>
             </a:r>
           </a:p>
@@ -8349,7 +8217,7 @@
               <a:buNone/>
             </a:pPr>
             <a:r>
-              <a:rPr lang="de-DE" dirty="0" smtClean="0"/>
+              <a:rPr lang="de-DE" dirty="0"/>
               <a:t>Quellen, Abbildungen, usw. können in der Masterarbeit nachgeschlagen oder per E-Mail angefordert werden.</a:t>
             </a:r>
           </a:p>
@@ -8357,7 +8225,7 @@
             <a:pPr marL="0" indent="0" algn="ctr">
               <a:buNone/>
             </a:pPr>
-            <a:endParaRPr lang="de-DE" dirty="0" smtClean="0"/>
+            <a:endParaRPr lang="de-DE" dirty="0"/>
           </a:p>
         </p:txBody>
       </p:sp>
@@ -8384,7 +8252,7 @@
               <a:pPr>
                 <a:defRPr/>
               </a:pPr>
-              <a:t>20.07.2018</a:t>
+              <a:t>29.07.2018</a:t>
             </a:fld>
             <a:endParaRPr lang="de-DE" dirty="0"/>
           </a:p>
@@ -8470,13 +8338,6 @@
   <p:clrMapOvr>
     <a:masterClrMapping/>
   </p:clrMapOvr>
-  <p:timing>
-    <p:tnLst>
-      <p:par>
-        <p:cTn id="1" dur="indefinite" restart="never" nodeType="tmRoot"/>
-      </p:par>
-    </p:tnLst>
-  </p:timing>
 </p:sld>
 </file>
 
@@ -8513,95 +8374,95 @@
           <a:lstStyle/>
           <a:p>
             <a:r>
-              <a:rPr lang="de-DE" dirty="0" smtClean="0"/>
+              <a:rPr lang="de-DE" dirty="0"/>
               <a:t>Einleitung</a:t>
             </a:r>
           </a:p>
           <a:p>
             <a:pPr lvl="1"/>
             <a:r>
-              <a:rPr lang="de-DE" sz="2000" dirty="0" smtClean="0"/>
+              <a:rPr lang="de-DE" sz="2000" dirty="0"/>
               <a:t>Motivation</a:t>
             </a:r>
           </a:p>
           <a:p>
             <a:pPr lvl="1"/>
             <a:r>
-              <a:rPr lang="de-DE" dirty="0" smtClean="0"/>
+              <a:rPr lang="de-DE" dirty="0"/>
               <a:t>Zielsetzung</a:t>
             </a:r>
           </a:p>
           <a:p>
             <a:r>
-              <a:rPr lang="de-DE" dirty="0" smtClean="0"/>
+              <a:rPr lang="de-DE" dirty="0"/>
               <a:t>Grundlage der Topologie</a:t>
             </a:r>
           </a:p>
           <a:p>
             <a:pPr lvl="1"/>
             <a:r>
-              <a:rPr lang="de-DE" dirty="0" smtClean="0"/>
+              <a:rPr lang="de-DE" dirty="0"/>
               <a:t>Begriffserklärung</a:t>
             </a:r>
           </a:p>
           <a:p>
             <a:pPr lvl="1"/>
             <a:r>
-              <a:rPr lang="de-DE" dirty="0" err="1" smtClean="0"/>
+              <a:rPr lang="de-DE" dirty="0" err="1"/>
               <a:t>Topologiemuster</a:t>
             </a:r>
-            <a:endParaRPr lang="de-DE" dirty="0" smtClean="0"/>
+            <a:endParaRPr lang="de-DE" dirty="0"/>
           </a:p>
           <a:p>
             <a:pPr lvl="1"/>
             <a:r>
-              <a:rPr lang="de-DE" dirty="0" smtClean="0"/>
+              <a:rPr lang="de-DE" dirty="0"/>
               <a:t>Netzwerke-Protokolle</a:t>
             </a:r>
           </a:p>
           <a:p>
             <a:r>
-              <a:rPr lang="de-DE" dirty="0" smtClean="0"/>
+              <a:rPr lang="de-DE" dirty="0"/>
               <a:t>Anforderungsanalyse</a:t>
             </a:r>
           </a:p>
           <a:p>
             <a:pPr lvl="1"/>
             <a:r>
-              <a:rPr lang="de-DE" dirty="0" smtClean="0"/>
+              <a:rPr lang="de-DE" dirty="0"/>
               <a:t>Funktionale Anforderungen</a:t>
             </a:r>
           </a:p>
           <a:p>
             <a:pPr lvl="1"/>
             <a:r>
-              <a:rPr lang="de-DE" dirty="0" smtClean="0"/>
+              <a:rPr lang="de-DE" dirty="0"/>
               <a:t>Nichtfunktionale Anforderungen</a:t>
             </a:r>
           </a:p>
           <a:p>
             <a:r>
-              <a:rPr lang="de-DE" dirty="0" smtClean="0"/>
+              <a:rPr lang="de-DE" dirty="0"/>
               <a:t>Evaluation der JavaScript-Frameworks(erstes Ergebnis)</a:t>
             </a:r>
           </a:p>
           <a:p>
             <a:r>
-              <a:rPr lang="de-DE" dirty="0" smtClean="0"/>
+              <a:rPr lang="de-DE" dirty="0"/>
               <a:t>Konzepte der </a:t>
             </a:r>
             <a:r>
-              <a:rPr lang="de-DE" dirty="0" err="1" smtClean="0"/>
+              <a:rPr lang="de-DE" dirty="0" err="1"/>
               <a:t>Topology</a:t>
             </a:r>
             <a:r>
-              <a:rPr lang="de-DE" dirty="0" smtClean="0"/>
+              <a:rPr lang="de-DE" dirty="0"/>
               <a:t>-Editor (zweites Ergebnis)</a:t>
             </a:r>
           </a:p>
           <a:p>
             <a:r>
-              <a:rPr lang="de-DE" dirty="0" smtClean="0"/>
+              <a:rPr lang="de-DE" dirty="0"/>
               <a:t>Prototype Implementierung(drittes Ergebnis)</a:t>
             </a:r>
           </a:p>
@@ -8610,13 +8471,12 @@
               <a:rPr lang="de-DE" dirty="0"/>
               <a:t>Fortsetzungsmöglichkeiten</a:t>
             </a:r>
-            <a:endParaRPr lang="de-DE" dirty="0" smtClean="0"/>
-          </a:p>
-          <a:p>
-            <a:endParaRPr lang="de-DE" dirty="0" smtClean="0"/>
-          </a:p>
-          <a:p>
-            <a:endParaRPr lang="de-DE" dirty="0" smtClean="0"/>
+          </a:p>
+          <a:p>
+            <a:endParaRPr lang="de-DE" dirty="0"/>
+          </a:p>
+          <a:p>
+            <a:endParaRPr lang="de-DE" dirty="0"/>
           </a:p>
           <a:p>
             <a:endParaRPr lang="de-DE" dirty="0"/>
@@ -8646,7 +8506,7 @@
               <a:pPr>
                 <a:defRPr/>
               </a:pPr>
-              <a:t>20.07.2018</a:t>
+              <a:t>29.07.2018</a:t>
             </a:fld>
             <a:endParaRPr lang="de-DE" dirty="0"/>
           </a:p>
@@ -8719,10 +8579,9 @@
           <a:lstStyle/>
           <a:p>
             <a:r>
-              <a:rPr lang="de-DE" dirty="0" smtClean="0"/>
+              <a:rPr lang="de-DE" dirty="0"/>
               <a:t>Agenda</a:t>
             </a:r>
-            <a:endParaRPr lang="de-DE" dirty="0"/>
           </a:p>
         </p:txBody>
       </p:sp>
@@ -8736,13 +8595,6 @@
   <p:clrMapOvr>
     <a:masterClrMapping/>
   </p:clrMapOvr>
-  <p:timing>
-    <p:tnLst>
-      <p:par>
-        <p:cTn id="1" dur="indefinite" restart="never" nodeType="tmRoot"/>
-      </p:par>
-    </p:tnLst>
-  </p:timing>
 </p:sld>
 </file>
 
@@ -8779,72 +8631,72 @@
           <a:lstStyle/>
           <a:p>
             <a:r>
-              <a:rPr lang="de-DE" dirty="0" smtClean="0"/>
+              <a:rPr lang="de-DE" dirty="0"/>
               <a:t>Motivation</a:t>
             </a:r>
           </a:p>
           <a:p>
             <a:pPr lvl="1"/>
             <a:r>
-              <a:rPr lang="de-DE" dirty="0" smtClean="0"/>
+              <a:rPr lang="de-DE" dirty="0"/>
               <a:t>Erweiterung des Engineering Tool </a:t>
             </a:r>
             <a:r>
-              <a:rPr lang="de-DE" dirty="0" err="1" smtClean="0"/>
+              <a:rPr lang="de-DE" dirty="0" err="1"/>
               <a:t>ComStudio</a:t>
             </a:r>
-            <a:endParaRPr lang="de-DE" dirty="0" smtClean="0"/>
+            <a:endParaRPr lang="de-DE" dirty="0"/>
           </a:p>
           <a:p>
             <a:pPr lvl="1"/>
             <a:r>
-              <a:rPr lang="de-DE" dirty="0" smtClean="0"/>
+              <a:rPr lang="de-DE" dirty="0"/>
               <a:t>Reduktion der </a:t>
             </a:r>
             <a:r>
-              <a:rPr lang="de-DE" dirty="0" err="1" smtClean="0"/>
+              <a:rPr lang="de-DE" dirty="0" err="1"/>
               <a:t>Engineeringzeit</a:t>
             </a:r>
             <a:r>
-              <a:rPr lang="de-DE" dirty="0" smtClean="0"/>
+              <a:rPr lang="de-DE" dirty="0"/>
               <a:t> für Netzwerkinbetriebnahme</a:t>
             </a:r>
           </a:p>
           <a:p>
             <a:pPr lvl="1"/>
-            <a:endParaRPr lang="de-DE" dirty="0" smtClean="0"/>
-          </a:p>
-          <a:p>
-            <a:r>
-              <a:rPr lang="de-DE" dirty="0" smtClean="0"/>
+            <a:endParaRPr lang="de-DE" dirty="0"/>
+          </a:p>
+          <a:p>
+            <a:r>
+              <a:rPr lang="de-DE" dirty="0"/>
               <a:t>Zielsetzung</a:t>
             </a:r>
           </a:p>
           <a:p>
             <a:pPr lvl="1"/>
             <a:r>
-              <a:rPr lang="de-DE" dirty="0" smtClean="0"/>
+              <a:rPr lang="de-DE" dirty="0"/>
               <a:t>Konzept und Design einer </a:t>
             </a:r>
             <a:r>
-              <a:rPr lang="de-DE" dirty="0" err="1" smtClean="0"/>
+              <a:rPr lang="de-DE" dirty="0" err="1"/>
               <a:t>Topology</a:t>
             </a:r>
             <a:r>
-              <a:rPr lang="de-DE" dirty="0" smtClean="0"/>
+              <a:rPr lang="de-DE" dirty="0"/>
               <a:t>-Engineering-Komponente </a:t>
             </a:r>
           </a:p>
           <a:p>
             <a:pPr lvl="1"/>
             <a:r>
-              <a:rPr lang="de-DE" dirty="0" smtClean="0"/>
+              <a:rPr lang="de-DE" dirty="0"/>
               <a:t>Prototypenentwicklung des Komponenten </a:t>
             </a:r>
           </a:p>
           <a:p>
             <a:pPr lvl="1"/>
-            <a:endParaRPr lang="de-DE" dirty="0" smtClean="0"/>
+            <a:endParaRPr lang="de-DE" dirty="0"/>
           </a:p>
           <a:p>
             <a:endParaRPr lang="de-DE" dirty="0"/>
@@ -8874,7 +8726,7 @@
               <a:pPr>
                 <a:defRPr/>
               </a:pPr>
-              <a:t>20.07.2018</a:t>
+              <a:t>29.07.2018</a:t>
             </a:fld>
             <a:endParaRPr lang="de-DE" dirty="0"/>
           </a:p>
@@ -8947,10 +8799,9 @@
           <a:lstStyle/>
           <a:p>
             <a:r>
-              <a:rPr lang="de-DE" dirty="0" smtClean="0"/>
+              <a:rPr lang="de-DE" dirty="0"/>
               <a:t>Einleitung:: Motivation &amp; Zielsetzung</a:t>
             </a:r>
-            <a:endParaRPr lang="de-DE" dirty="0"/>
           </a:p>
         </p:txBody>
       </p:sp>
@@ -8964,13 +8815,6 @@
   <p:clrMapOvr>
     <a:masterClrMapping/>
   </p:clrMapOvr>
-  <p:timing>
-    <p:tnLst>
-      <p:par>
-        <p:cTn id="1" dur="indefinite" restart="never" nodeType="tmRoot"/>
-      </p:par>
-    </p:tnLst>
-  </p:timing>
 </p:sld>
 </file>
 
@@ -9007,7 +8851,7 @@
           <a:lstStyle/>
           <a:p>
             <a:r>
-              <a:rPr lang="de-DE" dirty="0" smtClean="0">
+              <a:rPr lang="de-DE" dirty="0">
                 <a:solidFill>
                   <a:schemeClr val="bg1">
                     <a:lumMod val="50000"/>
@@ -9020,7 +8864,7 @@
           <a:p>
             <a:pPr lvl="1"/>
             <a:r>
-              <a:rPr lang="de-DE" sz="2000" dirty="0" smtClean="0">
+              <a:rPr lang="de-DE" sz="2000" dirty="0">
                 <a:solidFill>
                   <a:schemeClr val="bg1">
                     <a:lumMod val="50000"/>
@@ -9033,7 +8877,7 @@
           <a:p>
             <a:pPr lvl="1"/>
             <a:r>
-              <a:rPr lang="de-DE" dirty="0" smtClean="0">
+              <a:rPr lang="de-DE" dirty="0">
                 <a:solidFill>
                   <a:schemeClr val="bg1">
                     <a:lumMod val="50000"/>
@@ -9045,75 +8889,75 @@
           </a:p>
           <a:p>
             <a:r>
-              <a:rPr lang="de-DE" b="1" dirty="0" smtClean="0"/>
+              <a:rPr lang="de-DE" b="1" dirty="0"/>
               <a:t>Grundlage der Topologie</a:t>
             </a:r>
           </a:p>
           <a:p>
             <a:pPr lvl="1"/>
             <a:r>
-              <a:rPr lang="de-DE" b="1" dirty="0" smtClean="0"/>
+              <a:rPr lang="de-DE" b="1" dirty="0"/>
               <a:t>Begriffserklärung</a:t>
             </a:r>
           </a:p>
           <a:p>
             <a:pPr lvl="1"/>
             <a:r>
-              <a:rPr lang="de-DE" b="1" dirty="0" err="1" smtClean="0"/>
+              <a:rPr lang="de-DE" b="1" dirty="0" err="1"/>
               <a:t>Topologiemuster</a:t>
             </a:r>
-            <a:endParaRPr lang="de-DE" b="1" dirty="0" smtClean="0"/>
+            <a:endParaRPr lang="de-DE" b="1" dirty="0"/>
           </a:p>
           <a:p>
             <a:pPr lvl="1"/>
             <a:r>
-              <a:rPr lang="de-DE" b="1" dirty="0" smtClean="0"/>
+              <a:rPr lang="de-DE" b="1" dirty="0"/>
               <a:t>Netzwerke-Protokolle</a:t>
             </a:r>
           </a:p>
           <a:p>
             <a:r>
-              <a:rPr lang="de-DE" dirty="0" smtClean="0"/>
+              <a:rPr lang="de-DE" dirty="0"/>
               <a:t>Anforderungsanalyse</a:t>
             </a:r>
           </a:p>
           <a:p>
             <a:pPr lvl="1"/>
             <a:r>
-              <a:rPr lang="de-DE" dirty="0" smtClean="0"/>
+              <a:rPr lang="de-DE" dirty="0"/>
               <a:t>Funktionale Anforderungen</a:t>
             </a:r>
           </a:p>
           <a:p>
             <a:pPr lvl="1"/>
             <a:r>
-              <a:rPr lang="de-DE" dirty="0" smtClean="0"/>
+              <a:rPr lang="de-DE" dirty="0"/>
               <a:t>Nichtfunktionale Anforderungen</a:t>
             </a:r>
           </a:p>
           <a:p>
             <a:r>
-              <a:rPr lang="de-DE" dirty="0" smtClean="0"/>
+              <a:rPr lang="de-DE" dirty="0"/>
               <a:t>Evaluation der JavaScript-Frameworks(erstes Ergebnis)</a:t>
             </a:r>
           </a:p>
           <a:p>
             <a:r>
-              <a:rPr lang="de-DE" dirty="0" smtClean="0"/>
+              <a:rPr lang="de-DE" dirty="0"/>
               <a:t>Konzepte der </a:t>
             </a:r>
             <a:r>
-              <a:rPr lang="de-DE" dirty="0" err="1" smtClean="0"/>
+              <a:rPr lang="de-DE" dirty="0" err="1"/>
               <a:t>Topology</a:t>
             </a:r>
             <a:r>
-              <a:rPr lang="de-DE" dirty="0" smtClean="0"/>
+              <a:rPr lang="de-DE" dirty="0"/>
               <a:t>-Editor (zweites Ergebnis)</a:t>
             </a:r>
           </a:p>
           <a:p>
             <a:r>
-              <a:rPr lang="de-DE" dirty="0" smtClean="0"/>
+              <a:rPr lang="de-DE" dirty="0"/>
               <a:t>Prototype Implementierung(drittes Ergebnis)</a:t>
             </a:r>
           </a:p>
@@ -9122,13 +8966,12 @@
               <a:rPr lang="de-DE" dirty="0"/>
               <a:t>Fortsetzungsmöglichkeiten</a:t>
             </a:r>
-            <a:endParaRPr lang="de-DE" dirty="0" smtClean="0"/>
-          </a:p>
-          <a:p>
-            <a:endParaRPr lang="de-DE" dirty="0" smtClean="0"/>
-          </a:p>
-          <a:p>
-            <a:endParaRPr lang="de-DE" dirty="0" smtClean="0"/>
+          </a:p>
+          <a:p>
+            <a:endParaRPr lang="de-DE" dirty="0"/>
+          </a:p>
+          <a:p>
+            <a:endParaRPr lang="de-DE" dirty="0"/>
           </a:p>
           <a:p>
             <a:endParaRPr lang="de-DE" dirty="0"/>
@@ -9158,7 +9001,7 @@
               <a:pPr>
                 <a:defRPr/>
               </a:pPr>
-              <a:t>20.07.2018</a:t>
+              <a:t>29.07.2018</a:t>
             </a:fld>
             <a:endParaRPr lang="de-DE" dirty="0"/>
           </a:p>
@@ -9231,10 +9074,9 @@
           <a:lstStyle/>
           <a:p>
             <a:r>
-              <a:rPr lang="de-DE" dirty="0" smtClean="0"/>
+              <a:rPr lang="de-DE" dirty="0"/>
               <a:t>Agenda</a:t>
             </a:r>
-            <a:endParaRPr lang="de-DE" dirty="0"/>
           </a:p>
         </p:txBody>
       </p:sp>
@@ -9248,13 +9090,6 @@
   <p:clrMapOvr>
     <a:masterClrMapping/>
   </p:clrMapOvr>
-  <p:timing>
-    <p:tnLst>
-      <p:par>
-        <p:cTn id="1" dur="indefinite" restart="never" nodeType="tmRoot"/>
-      </p:par>
-    </p:tnLst>
-  </p:timing>
 </p:sld>
 </file>
 
@@ -9291,40 +9126,40 @@
           <a:lstStyle/>
           <a:p>
             <a:r>
-              <a:rPr lang="de-DE" dirty="0" err="1" smtClean="0"/>
+              <a:rPr lang="de-DE" dirty="0" err="1"/>
               <a:t>Feldbus</a:t>
             </a:r>
-            <a:endParaRPr lang="de-DE" dirty="0" smtClean="0"/>
-          </a:p>
-          <a:p>
-            <a:r>
-              <a:rPr lang="de-DE" dirty="0" smtClean="0"/>
+            <a:endParaRPr lang="de-DE" dirty="0"/>
+          </a:p>
+          <a:p>
+            <a:r>
+              <a:rPr lang="de-DE" dirty="0"/>
               <a:t>Topologie</a:t>
             </a:r>
           </a:p>
           <a:p>
             <a:r>
-              <a:rPr lang="de-DE" dirty="0" smtClean="0"/>
+              <a:rPr lang="de-DE" dirty="0"/>
               <a:t>Controller / Master</a:t>
             </a:r>
           </a:p>
           <a:p>
             <a:r>
-              <a:rPr lang="de-DE" dirty="0" smtClean="0"/>
+              <a:rPr lang="de-DE" dirty="0"/>
               <a:t>Device / Slave</a:t>
             </a:r>
           </a:p>
           <a:p>
             <a:r>
-              <a:rPr lang="de-DE" dirty="0" smtClean="0"/>
+              <a:rPr lang="de-DE" dirty="0"/>
               <a:t>Communication Studio (</a:t>
             </a:r>
             <a:r>
-              <a:rPr lang="de-DE" dirty="0" err="1" smtClean="0"/>
+              <a:rPr lang="de-DE" dirty="0" err="1"/>
               <a:t>ComStudio</a:t>
             </a:r>
             <a:r>
-              <a:rPr lang="de-DE" dirty="0" smtClean="0"/>
+              <a:rPr lang="de-DE" dirty="0"/>
               <a:t>)</a:t>
             </a:r>
           </a:p>
@@ -9356,7 +9191,7 @@
               <a:pPr>
                 <a:defRPr/>
               </a:pPr>
-              <a:t>20.07.2018</a:t>
+              <a:t>29.07.2018</a:t>
             </a:fld>
             <a:endParaRPr lang="de-DE" dirty="0"/>
           </a:p>
@@ -9430,13 +9265,8 @@
           <a:p>
             <a:r>
               <a:rPr lang="de-DE" dirty="0"/>
-              <a:t>Grundlage der </a:t>
-            </a:r>
-            <a:r>
-              <a:rPr lang="de-DE" dirty="0" smtClean="0"/>
-              <a:t>Topologie:: Begriffserklärung</a:t>
-            </a:r>
-            <a:endParaRPr lang="de-DE" dirty="0"/>
+              <a:t>Grundlage der Topologie:: Begriffserklärung</a:t>
+            </a:r>
           </a:p>
         </p:txBody>
       </p:sp>
@@ -9450,13 +9280,6 @@
   <p:clrMapOvr>
     <a:masterClrMapping/>
   </p:clrMapOvr>
-  <p:timing>
-    <p:tnLst>
-      <p:par>
-        <p:cTn id="1" dur="indefinite" restart="never" nodeType="tmRoot"/>
-      </p:par>
-    </p:tnLst>
-  </p:timing>
 </p:sld>
 </file>
 
@@ -9493,22 +9316,21 @@
           <a:lstStyle/>
           <a:p>
             <a:r>
-              <a:rPr lang="de-DE" dirty="0" smtClean="0"/>
+              <a:rPr lang="de-DE" dirty="0"/>
               <a:t>Linien-Topologie</a:t>
             </a:r>
           </a:p>
           <a:p>
             <a:r>
-              <a:rPr lang="de-DE" dirty="0" smtClean="0"/>
+              <a:rPr lang="de-DE" dirty="0"/>
               <a:t>Baum-Topologie</a:t>
             </a:r>
           </a:p>
           <a:p>
             <a:r>
-              <a:rPr lang="de-DE" dirty="0" smtClean="0"/>
+              <a:rPr lang="de-DE" dirty="0"/>
               <a:t>Maschen-Topologie</a:t>
             </a:r>
-            <a:endParaRPr lang="de-DE" dirty="0"/>
           </a:p>
         </p:txBody>
       </p:sp>
@@ -9535,7 +9357,7 @@
               <a:pPr>
                 <a:defRPr/>
               </a:pPr>
-              <a:t>20.07.2018</a:t>
+              <a:t>29.07.2018</a:t>
             </a:fld>
             <a:endParaRPr lang="de-DE" dirty="0"/>
           </a:p>
@@ -9610,16 +9432,12 @@
           <a:lstStyle/>
           <a:p>
             <a:r>
-              <a:rPr lang="de-DE" dirty="0" smtClean="0"/>
+              <a:rPr lang="de-DE" dirty="0"/>
               <a:t>Grundlage der Topologie:: </a:t>
             </a:r>
             <a:r>
-              <a:rPr lang="de-DE" dirty="0" err="1" smtClean="0"/>
+              <a:rPr lang="de-DE" dirty="0" err="1"/>
               <a:t>Topologiemuster</a:t>
-            </a:r>
-            <a:r>
-              <a:rPr lang="de-DE" dirty="0"/>
-              <a:t/>
             </a:r>
             <a:br>
               <a:rPr lang="de-DE" dirty="0"/>
@@ -9638,13 +9456,6 @@
   <p:clrMapOvr>
     <a:masterClrMapping/>
   </p:clrMapOvr>
-  <p:timing>
-    <p:tnLst>
-      <p:par>
-        <p:cTn id="1" dur="indefinite" restart="never" nodeType="tmRoot"/>
-      </p:par>
-    </p:tnLst>
-  </p:timing>
 </p:sld>
 </file>
 
@@ -9681,16 +9492,15 @@
           <a:lstStyle/>
           <a:p>
             <a:r>
-              <a:rPr lang="de-DE" dirty="0" smtClean="0"/>
+              <a:rPr lang="de-DE" dirty="0"/>
               <a:t>POFIBUS</a:t>
             </a:r>
           </a:p>
           <a:p>
             <a:r>
-              <a:rPr lang="de-DE" dirty="0" smtClean="0"/>
+              <a:rPr lang="de-DE" dirty="0"/>
               <a:t>PROFINET IRT</a:t>
             </a:r>
-            <a:endParaRPr lang="de-DE" dirty="0"/>
           </a:p>
         </p:txBody>
       </p:sp>
@@ -9717,7 +9527,7 @@
               <a:pPr>
                 <a:defRPr/>
               </a:pPr>
-              <a:t>20.07.2018</a:t>
+              <a:t>29.07.2018</a:t>
             </a:fld>
             <a:endParaRPr lang="de-DE" dirty="0"/>
           </a:p>
@@ -9791,13 +9601,8 @@
           <a:p>
             <a:r>
               <a:rPr lang="de-DE" dirty="0"/>
-              <a:t>Grundlage der Topologie:: </a:t>
-            </a:r>
-            <a:r>
-              <a:rPr lang="de-DE" dirty="0" smtClean="0"/>
-              <a:t>Netzwerke-Protokolle</a:t>
-            </a:r>
-            <a:endParaRPr lang="de-DE" dirty="0"/>
+              <a:t>Grundlage der Topologie:: Netzwerke-Protokolle</a:t>
+            </a:r>
           </a:p>
         </p:txBody>
       </p:sp>
@@ -9811,13 +9616,6 @@
   <p:clrMapOvr>
     <a:masterClrMapping/>
   </p:clrMapOvr>
-  <p:timing>
-    <p:tnLst>
-      <p:par>
-        <p:cTn id="1" dur="indefinite" restart="never" nodeType="tmRoot"/>
-      </p:par>
-    </p:tnLst>
-  </p:timing>
 </p:sld>
 </file>
 
@@ -9854,7 +9652,7 @@
           <a:lstStyle/>
           <a:p>
             <a:r>
-              <a:rPr lang="de-DE" dirty="0" smtClean="0">
+              <a:rPr lang="de-DE" dirty="0">
                 <a:solidFill>
                   <a:schemeClr val="bg1">
                     <a:lumMod val="50000"/>
@@ -9867,7 +9665,7 @@
           <a:p>
             <a:pPr lvl="1"/>
             <a:r>
-              <a:rPr lang="de-DE" sz="2000" dirty="0" smtClean="0">
+              <a:rPr lang="de-DE" sz="2000" dirty="0">
                 <a:solidFill>
                   <a:schemeClr val="bg1">
                     <a:lumMod val="50000"/>
@@ -9880,7 +9678,7 @@
           <a:p>
             <a:pPr lvl="1"/>
             <a:r>
-              <a:rPr lang="de-DE" dirty="0" smtClean="0">
+              <a:rPr lang="de-DE" dirty="0">
                 <a:solidFill>
                   <a:schemeClr val="bg1">
                     <a:lumMod val="50000"/>
@@ -9892,7 +9690,7 @@
           </a:p>
           <a:p>
             <a:r>
-              <a:rPr lang="de-DE" dirty="0" smtClean="0">
+              <a:rPr lang="de-DE" dirty="0">
                 <a:solidFill>
                   <a:schemeClr val="bg1">
                     <a:lumMod val="50000"/>
@@ -9905,7 +9703,7 @@
           <a:p>
             <a:pPr lvl="1"/>
             <a:r>
-              <a:rPr lang="de-DE" dirty="0" smtClean="0">
+              <a:rPr lang="de-DE" dirty="0">
                 <a:solidFill>
                   <a:schemeClr val="bg1">
                     <a:lumMod val="50000"/>
@@ -9918,7 +9716,7 @@
           <a:p>
             <a:pPr lvl="1"/>
             <a:r>
-              <a:rPr lang="de-DE" dirty="0" err="1" smtClean="0">
+              <a:rPr lang="de-DE" dirty="0" err="1">
                 <a:solidFill>
                   <a:schemeClr val="bg1">
                     <a:lumMod val="50000"/>
@@ -9927,7 +9725,7 @@
               </a:rPr>
               <a:t>Topologiemuster</a:t>
             </a:r>
-            <a:endParaRPr lang="de-DE" dirty="0" smtClean="0">
+            <a:endParaRPr lang="de-DE" dirty="0">
               <a:solidFill>
                 <a:schemeClr val="bg1">
                   <a:lumMod val="50000"/>
@@ -9938,7 +9736,7 @@
           <a:p>
             <a:pPr lvl="1"/>
             <a:r>
-              <a:rPr lang="de-DE" dirty="0" smtClean="0">
+              <a:rPr lang="de-DE" dirty="0">
                 <a:solidFill>
                   <a:schemeClr val="bg1">
                     <a:lumMod val="50000"/>
@@ -9950,61 +9748,61 @@
           </a:p>
           <a:p>
             <a:r>
-              <a:rPr lang="de-DE" b="1" dirty="0" smtClean="0"/>
+              <a:rPr lang="de-DE" b="1" dirty="0"/>
               <a:t>Anforderungsanalyse</a:t>
             </a:r>
           </a:p>
           <a:p>
             <a:pPr lvl="1"/>
             <a:r>
-              <a:rPr lang="de-DE" b="1" dirty="0" smtClean="0"/>
+              <a:rPr lang="de-DE" b="1" dirty="0"/>
               <a:t>Funktionale Anforderungen</a:t>
             </a:r>
           </a:p>
           <a:p>
             <a:pPr lvl="1"/>
             <a:r>
-              <a:rPr lang="de-DE" b="1" dirty="0" smtClean="0"/>
+              <a:rPr lang="de-DE" b="1" dirty="0"/>
               <a:t>Nichtfunktionale Anforderungen</a:t>
             </a:r>
           </a:p>
           <a:p>
             <a:r>
-              <a:rPr lang="de-DE" dirty="0" smtClean="0"/>
+              <a:rPr lang="de-DE" dirty="0"/>
               <a:t>Evaluation der JavaScript-Frameworks(erstes Ergebnis)</a:t>
             </a:r>
           </a:p>
           <a:p>
             <a:r>
-              <a:rPr lang="de-DE" dirty="0" smtClean="0"/>
+              <a:rPr lang="de-DE" dirty="0"/>
               <a:t>Konzepte der </a:t>
             </a:r>
             <a:r>
-              <a:rPr lang="de-DE" dirty="0" err="1" smtClean="0"/>
+              <a:rPr lang="de-DE" dirty="0" err="1"/>
               <a:t>Topology</a:t>
             </a:r>
             <a:r>
-              <a:rPr lang="de-DE" dirty="0" smtClean="0"/>
+              <a:rPr lang="de-DE" dirty="0"/>
               <a:t>-Editor (zweites Ergebnis)</a:t>
             </a:r>
           </a:p>
           <a:p>
             <a:r>
-              <a:rPr lang="de-DE" dirty="0" smtClean="0"/>
+              <a:rPr lang="de-DE" dirty="0"/>
               <a:t>Prototype Implementierung(drittes Ergebnis)</a:t>
             </a:r>
           </a:p>
           <a:p>
             <a:r>
-              <a:rPr lang="de-DE" dirty="0" smtClean="0"/>
+              <a:rPr lang="de-DE" dirty="0"/>
               <a:t>Fortsetzungsmöglichkeiten </a:t>
             </a:r>
           </a:p>
           <a:p>
-            <a:endParaRPr lang="de-DE" dirty="0" smtClean="0"/>
-          </a:p>
-          <a:p>
-            <a:endParaRPr lang="de-DE" dirty="0" smtClean="0"/>
+            <a:endParaRPr lang="de-DE" dirty="0"/>
+          </a:p>
+          <a:p>
+            <a:endParaRPr lang="de-DE" dirty="0"/>
           </a:p>
           <a:p>
             <a:endParaRPr lang="de-DE" dirty="0"/>
@@ -10034,7 +9832,7 @@
               <a:pPr>
                 <a:defRPr/>
               </a:pPr>
-              <a:t>20.07.2018</a:t>
+              <a:t>29.07.2018</a:t>
             </a:fld>
             <a:endParaRPr lang="de-DE" dirty="0"/>
           </a:p>
@@ -10107,10 +9905,9 @@
           <a:lstStyle/>
           <a:p>
             <a:r>
-              <a:rPr lang="de-DE" dirty="0" smtClean="0"/>
+              <a:rPr lang="de-DE" dirty="0"/>
               <a:t>Agenda</a:t>
             </a:r>
-            <a:endParaRPr lang="de-DE" dirty="0"/>
           </a:p>
         </p:txBody>
       </p:sp>
@@ -10124,13 +9921,6 @@
   <p:clrMapOvr>
     <a:masterClrMapping/>
   </p:clrMapOvr>
-  <p:timing>
-    <p:tnLst>
-      <p:par>
-        <p:cTn id="1" dur="indefinite" restart="never" nodeType="tmRoot"/>
-      </p:par>
-    </p:tnLst>
-  </p:timing>
 </p:sld>
 </file>
 
@@ -10167,75 +9957,75 @@
           <a:lstStyle/>
           <a:p>
             <a:r>
-              <a:rPr lang="de-DE" dirty="0" smtClean="0"/>
+              <a:rPr lang="de-DE" dirty="0"/>
               <a:t>Was soll das Softwareprodukt  tun?</a:t>
             </a:r>
           </a:p>
           <a:p>
             <a:pPr lvl="1"/>
             <a:r>
-              <a:rPr lang="de-DE" dirty="0" smtClean="0"/>
+              <a:rPr lang="de-DE" dirty="0"/>
               <a:t>Die Topologie besitzt ihre eigene Ansicht</a:t>
             </a:r>
           </a:p>
           <a:p>
             <a:pPr lvl="1"/>
             <a:r>
-              <a:rPr lang="de-DE" dirty="0" smtClean="0"/>
+              <a:rPr lang="de-DE" dirty="0"/>
               <a:t>Die topologischen Informationen müssen Mit Symbolen dargestellt werden</a:t>
             </a:r>
           </a:p>
           <a:p>
             <a:pPr lvl="1"/>
             <a:r>
-              <a:rPr lang="de-DE" dirty="0" smtClean="0"/>
+              <a:rPr lang="de-DE" dirty="0"/>
               <a:t>Jede Darstellung muss separat geschlossen werden</a:t>
             </a:r>
           </a:p>
           <a:p>
             <a:pPr lvl="1"/>
             <a:r>
-              <a:rPr lang="de-DE" dirty="0" smtClean="0"/>
+              <a:rPr lang="de-DE" dirty="0"/>
               <a:t>Zoom-Funktionen bieten</a:t>
             </a:r>
           </a:p>
           <a:p>
             <a:pPr lvl="1"/>
             <a:r>
-              <a:rPr lang="de-DE" dirty="0" smtClean="0"/>
+              <a:rPr lang="de-DE" dirty="0"/>
               <a:t>Die  Basisfunktionen müssen bereitstellt werden</a:t>
             </a:r>
           </a:p>
           <a:p>
-            <a:endParaRPr lang="de-DE" dirty="0" smtClean="0"/>
-          </a:p>
-          <a:p>
             <a:endParaRPr lang="de-DE" dirty="0"/>
           </a:p>
           <a:p>
-            <a:r>
-              <a:rPr lang="de-DE" dirty="0" smtClean="0"/>
+            <a:endParaRPr lang="de-DE" dirty="0"/>
+          </a:p>
+          <a:p>
+            <a:r>
+              <a:rPr lang="de-DE" dirty="0"/>
               <a:t>NFRs</a:t>
             </a:r>
           </a:p>
           <a:p>
             <a:pPr lvl="1"/>
             <a:r>
-              <a:rPr lang="de-DE" dirty="0" smtClean="0"/>
+              <a:rPr lang="de-DE" dirty="0"/>
               <a:t>Integrierbar sein</a:t>
             </a:r>
           </a:p>
           <a:p>
             <a:pPr lvl="1"/>
             <a:r>
-              <a:rPr lang="de-DE" dirty="0" smtClean="0"/>
+              <a:rPr lang="de-DE" dirty="0"/>
               <a:t>Stabilität</a:t>
             </a:r>
           </a:p>
           <a:p>
             <a:pPr lvl="1"/>
             <a:r>
-              <a:rPr lang="de-DE" dirty="0" smtClean="0"/>
+              <a:rPr lang="de-DE" dirty="0"/>
               <a:t>Wartbarkeit</a:t>
             </a:r>
           </a:p>
@@ -10268,7 +10058,7 @@
               <a:pPr>
                 <a:defRPr/>
               </a:pPr>
-              <a:t>20.07.2018</a:t>
+              <a:t>29.07.2018</a:t>
             </a:fld>
             <a:endParaRPr lang="de-DE" dirty="0"/>
           </a:p>
@@ -10341,12 +10131,8 @@
           <a:lstStyle/>
           <a:p>
             <a:r>
-              <a:rPr lang="de-DE" dirty="0" smtClean="0"/>
+              <a:rPr lang="de-DE" dirty="0"/>
               <a:t>Anforderungsanalyse:: FR &amp; NFR</a:t>
-            </a:r>
-            <a:r>
-              <a:rPr lang="de-DE" dirty="0"/>
-              <a:t/>
             </a:r>
             <a:br>
               <a:rPr lang="de-DE" dirty="0"/>
